--- a/document/系统构成.pptx
+++ b/document/系统构成.pptx
@@ -5,18 +5,20 @@
     <p:sldMasterId id="2147483648" r:id="rId1"/>
   </p:sldMasterIdLst>
   <p:notesMasterIdLst>
-    <p:notesMasterId r:id="rId12"/>
+    <p:notesMasterId r:id="rId13"/>
   </p:notesMasterIdLst>
   <p:sldIdLst>
-    <p:sldId id="256" r:id="rId3"/>
-    <p:sldId id="262" r:id="rId4"/>
-    <p:sldId id="260" r:id="rId5"/>
-    <p:sldId id="259" r:id="rId6"/>
-    <p:sldId id="266" r:id="rId7"/>
-    <p:sldId id="268" r:id="rId8"/>
-    <p:sldId id="269" r:id="rId9"/>
-    <p:sldId id="263" r:id="rId10"/>
-    <p:sldId id="267" r:id="rId11"/>
+    <p:sldId id="256" r:id="rId2"/>
+    <p:sldId id="262" r:id="rId3"/>
+    <p:sldId id="260" r:id="rId4"/>
+    <p:sldId id="259" r:id="rId5"/>
+    <p:sldId id="270" r:id="rId6"/>
+    <p:sldId id="271" r:id="rId7"/>
+    <p:sldId id="266" r:id="rId8"/>
+    <p:sldId id="268" r:id="rId9"/>
+    <p:sldId id="269" r:id="rId10"/>
+    <p:sldId id="263" r:id="rId11"/>
+    <p:sldId id="267" r:id="rId12"/>
   </p:sldIdLst>
   <p:sldSz cx="12192000" cy="6858000"/>
   <p:notesSz cx="6858000" cy="9144000"/>
@@ -115,6 +117,11 @@
       </a:defRPr>
     </a:lvl9pPr>
   </p:defaultTextStyle>
+  <p:extLst>
+    <p:ext uri="{EFAFB233-063F-42B5-8137-9DF3F51BA10A}">
+      <p15:sldGuideLst xmlns:p15="http://schemas.microsoft.com/office/powerpoint/2012/main"/>
+    </p:ext>
+  </p:extLst>
 </p:presentation>
 </file>
 
@@ -206,6 +213,7 @@
           <a:p>
             <a:fld id="{D2A48B96-639E-45A3-A0BA-2464DFDB1FAA}" type="datetimeFigureOut">
               <a:rPr lang="zh-CN" altLang="en-US" smtClean="0"/>
+              <a:t>2017/6/13</a:t>
             </a:fld>
             <a:endParaRPr lang="zh-CN" altLang="en-US"/>
           </a:p>
@@ -272,7 +280,6 @@
               <a:rPr lang="zh-CN" altLang="en-US" smtClean="0"/>
               <a:t>单击此处编辑母版文本样式</a:t>
             </a:r>
-            <a:endParaRPr lang="zh-CN" altLang="en-US" smtClean="0"/>
           </a:p>
           <a:p>
             <a:pPr lvl="1"/>
@@ -280,7 +287,6 @@
               <a:rPr lang="zh-CN" altLang="en-US" smtClean="0"/>
               <a:t>第二级</a:t>
             </a:r>
-            <a:endParaRPr lang="zh-CN" altLang="en-US" smtClean="0"/>
           </a:p>
           <a:p>
             <a:pPr lvl="2"/>
@@ -288,7 +294,6 @@
               <a:rPr lang="zh-CN" altLang="en-US" smtClean="0"/>
               <a:t>第三级</a:t>
             </a:r>
-            <a:endParaRPr lang="zh-CN" altLang="en-US" smtClean="0"/>
           </a:p>
           <a:p>
             <a:pPr lvl="3"/>
@@ -296,7 +301,6 @@
               <a:rPr lang="zh-CN" altLang="en-US" smtClean="0"/>
               <a:t>第四级</a:t>
             </a:r>
-            <a:endParaRPr lang="zh-CN" altLang="en-US" smtClean="0"/>
           </a:p>
           <a:p>
             <a:pPr lvl="4"/>
@@ -368,12 +372,18 @@
           <a:p>
             <a:fld id="{A6837353-30EB-4A48-80EB-173D804AEFBD}" type="slidenum">
               <a:rPr lang="zh-CN" altLang="en-US" smtClean="0"/>
+              <a:t>‹#›</a:t>
             </a:fld>
             <a:endParaRPr lang="zh-CN" altLang="en-US"/>
           </a:p>
         </p:txBody>
       </p:sp>
     </p:spTree>
+    <p:extLst>
+      <p:ext uri="{BB962C8B-B14F-4D97-AF65-F5344CB8AC3E}">
+        <p14:creationId xmlns:p14="http://schemas.microsoft.com/office/powerpoint/2010/main" val="2403040586"/>
+      </p:ext>
+    </p:extLst>
   </p:cSld>
   <p:clrMap bg1="lt1" tx1="dk1" bg2="lt2" tx2="dk2" accent1="accent1" accent2="accent2" accent3="accent3" accent4="accent4" accent5="accent5" accent6="accent6" hlink="hlink" folHlink="folHlink"/>
   <p:notesStyle>
@@ -602,6 +612,7 @@
           <a:p>
             <a:fld id="{D997B5FA-0921-464F-AAE1-844C04324D75}" type="datetimeFigureOut">
               <a:rPr lang="zh-CN" altLang="en-US" smtClean="0"/>
+              <a:t>2017/6/13</a:t>
             </a:fld>
             <a:endParaRPr lang="zh-CN" altLang="en-US"/>
           </a:p>
@@ -643,6 +654,7 @@
           <a:p>
             <a:fld id="{565CE74E-AB26-4998-AD42-012C4C1AD076}" type="slidenum">
               <a:rPr lang="zh-CN" altLang="en-US" smtClean="0"/>
+              <a:t>‹#›</a:t>
             </a:fld>
             <a:endParaRPr lang="zh-CN" altLang="en-US"/>
           </a:p>
@@ -716,7 +728,6 @@
               <a:rPr lang="zh-CN" altLang="en-US" smtClean="0"/>
               <a:t>单击此处编辑母版文本样式</a:t>
             </a:r>
-            <a:endParaRPr lang="zh-CN" altLang="en-US" smtClean="0"/>
           </a:p>
           <a:p>
             <a:pPr lvl="1"/>
@@ -724,7 +735,6 @@
               <a:rPr lang="zh-CN" altLang="en-US" smtClean="0"/>
               <a:t>第二级</a:t>
             </a:r>
-            <a:endParaRPr lang="zh-CN" altLang="en-US" smtClean="0"/>
           </a:p>
           <a:p>
             <a:pPr lvl="2"/>
@@ -732,7 +742,6 @@
               <a:rPr lang="zh-CN" altLang="en-US" smtClean="0"/>
               <a:t>第三级</a:t>
             </a:r>
-            <a:endParaRPr lang="zh-CN" altLang="en-US" smtClean="0"/>
           </a:p>
           <a:p>
             <a:pPr lvl="3"/>
@@ -740,7 +749,6 @@
               <a:rPr lang="zh-CN" altLang="en-US" smtClean="0"/>
               <a:t>第四级</a:t>
             </a:r>
-            <a:endParaRPr lang="zh-CN" altLang="en-US" smtClean="0"/>
           </a:p>
           <a:p>
             <a:pPr lvl="4"/>
@@ -769,6 +777,7 @@
           <a:p>
             <a:fld id="{D997B5FA-0921-464F-AAE1-844C04324D75}" type="datetimeFigureOut">
               <a:rPr lang="zh-CN" altLang="en-US" smtClean="0"/>
+              <a:t>2017/6/13</a:t>
             </a:fld>
             <a:endParaRPr lang="zh-CN" altLang="en-US"/>
           </a:p>
@@ -810,6 +819,7 @@
           <a:p>
             <a:fld id="{565CE74E-AB26-4998-AD42-012C4C1AD076}" type="slidenum">
               <a:rPr lang="zh-CN" altLang="en-US" smtClean="0"/>
+              <a:t>‹#›</a:t>
             </a:fld>
             <a:endParaRPr lang="zh-CN" altLang="en-US"/>
           </a:p>
@@ -893,7 +903,6 @@
               <a:rPr lang="zh-CN" altLang="en-US" smtClean="0"/>
               <a:t>单击此处编辑母版文本样式</a:t>
             </a:r>
-            <a:endParaRPr lang="zh-CN" altLang="en-US" smtClean="0"/>
           </a:p>
           <a:p>
             <a:pPr lvl="1"/>
@@ -901,7 +910,6 @@
               <a:rPr lang="zh-CN" altLang="en-US" smtClean="0"/>
               <a:t>第二级</a:t>
             </a:r>
-            <a:endParaRPr lang="zh-CN" altLang="en-US" smtClean="0"/>
           </a:p>
           <a:p>
             <a:pPr lvl="2"/>
@@ -909,7 +917,6 @@
               <a:rPr lang="zh-CN" altLang="en-US" smtClean="0"/>
               <a:t>第三级</a:t>
             </a:r>
-            <a:endParaRPr lang="zh-CN" altLang="en-US" smtClean="0"/>
           </a:p>
           <a:p>
             <a:pPr lvl="3"/>
@@ -917,7 +924,6 @@
               <a:rPr lang="zh-CN" altLang="en-US" smtClean="0"/>
               <a:t>第四级</a:t>
             </a:r>
-            <a:endParaRPr lang="zh-CN" altLang="en-US" smtClean="0"/>
           </a:p>
           <a:p>
             <a:pPr lvl="4"/>
@@ -946,6 +952,7 @@
           <a:p>
             <a:fld id="{D997B5FA-0921-464F-AAE1-844C04324D75}" type="datetimeFigureOut">
               <a:rPr lang="zh-CN" altLang="en-US" smtClean="0"/>
+              <a:t>2017/6/13</a:t>
             </a:fld>
             <a:endParaRPr lang="zh-CN" altLang="en-US"/>
           </a:p>
@@ -987,6 +994,7 @@
           <a:p>
             <a:fld id="{565CE74E-AB26-4998-AD42-012C4C1AD076}" type="slidenum">
               <a:rPr lang="zh-CN" altLang="en-US" smtClean="0"/>
+              <a:t>‹#›</a:t>
             </a:fld>
             <a:endParaRPr lang="zh-CN" altLang="en-US"/>
           </a:p>
@@ -1071,7 +1079,6 @@
               <a:rPr lang="en-US" dirty="0"/>
               <a:t>Click to edit Master text styles</a:t>
             </a:r>
-            <a:endParaRPr lang="en-US" dirty="0"/>
           </a:p>
         </p:txBody>
       </p:sp>
@@ -1180,6 +1187,7 @@
                 <a:latin typeface="Arial" panose="020B0604020202020204" pitchFamily="34" charset="0"/>
                 <a:cs typeface="Arial" panose="020B0604020202020204" pitchFamily="34" charset="0"/>
               </a:rPr>
+              <a:t>‹#›</a:t>
             </a:fld>
             <a:endParaRPr lang="en-CA" sz="900" dirty="0">
               <a:solidFill>
@@ -1478,7 +1486,6 @@
               <a:rPr lang="en-US" dirty="0"/>
               <a:t>Master Title Slide Headline</a:t>
             </a:r>
-            <a:endParaRPr lang="en-US" dirty="0"/>
           </a:p>
         </p:txBody>
       </p:sp>
@@ -1607,7 +1614,6 @@
               <a:rPr lang="zh-CN" altLang="en-US" smtClean="0"/>
               <a:t>单击此处编辑母版文本样式</a:t>
             </a:r>
-            <a:endParaRPr lang="zh-CN" altLang="en-US" smtClean="0"/>
           </a:p>
           <a:p>
             <a:pPr lvl="1"/>
@@ -1615,7 +1621,6 @@
               <a:rPr lang="zh-CN" altLang="en-US" smtClean="0"/>
               <a:t>第二级</a:t>
             </a:r>
-            <a:endParaRPr lang="zh-CN" altLang="en-US" smtClean="0"/>
           </a:p>
           <a:p>
             <a:pPr lvl="2"/>
@@ -1623,7 +1628,6 @@
               <a:rPr lang="zh-CN" altLang="en-US" smtClean="0"/>
               <a:t>第三级</a:t>
             </a:r>
-            <a:endParaRPr lang="zh-CN" altLang="en-US" smtClean="0"/>
           </a:p>
           <a:p>
             <a:pPr lvl="3"/>
@@ -1631,7 +1635,6 @@
               <a:rPr lang="zh-CN" altLang="en-US" smtClean="0"/>
               <a:t>第四级</a:t>
             </a:r>
-            <a:endParaRPr lang="zh-CN" altLang="en-US" smtClean="0"/>
           </a:p>
           <a:p>
             <a:pPr lvl="4"/>
@@ -1660,6 +1663,7 @@
           <a:p>
             <a:fld id="{D997B5FA-0921-464F-AAE1-844C04324D75}" type="datetimeFigureOut">
               <a:rPr lang="zh-CN" altLang="en-US" smtClean="0"/>
+              <a:t>2017/6/13</a:t>
             </a:fld>
             <a:endParaRPr lang="zh-CN" altLang="en-US"/>
           </a:p>
@@ -1701,6 +1705,7 @@
           <a:p>
             <a:fld id="{565CE74E-AB26-4998-AD42-012C4C1AD076}" type="slidenum">
               <a:rPr lang="zh-CN" altLang="en-US" smtClean="0"/>
+              <a:t>‹#›</a:t>
             </a:fld>
             <a:endParaRPr lang="zh-CN" altLang="en-US"/>
           </a:p>
@@ -1879,7 +1884,6 @@
               <a:rPr lang="zh-CN" altLang="en-US" smtClean="0"/>
               <a:t>单击此处编辑母版文本样式</a:t>
             </a:r>
-            <a:endParaRPr lang="zh-CN" altLang="en-US" smtClean="0"/>
           </a:p>
         </p:txBody>
       </p:sp>
@@ -1900,6 +1904,7 @@
           <a:p>
             <a:fld id="{D997B5FA-0921-464F-AAE1-844C04324D75}" type="datetimeFigureOut">
               <a:rPr lang="zh-CN" altLang="en-US" smtClean="0"/>
+              <a:t>2017/6/13</a:t>
             </a:fld>
             <a:endParaRPr lang="zh-CN" altLang="en-US"/>
           </a:p>
@@ -1941,6 +1946,7 @@
           <a:p>
             <a:fld id="{565CE74E-AB26-4998-AD42-012C4C1AD076}" type="slidenum">
               <a:rPr lang="zh-CN" altLang="en-US" smtClean="0"/>
+              <a:t>‹#›</a:t>
             </a:fld>
             <a:endParaRPr lang="zh-CN" altLang="en-US"/>
           </a:p>
@@ -2019,7 +2025,6 @@
               <a:rPr lang="zh-CN" altLang="en-US" smtClean="0"/>
               <a:t>单击此处编辑母版文本样式</a:t>
             </a:r>
-            <a:endParaRPr lang="zh-CN" altLang="en-US" smtClean="0"/>
           </a:p>
           <a:p>
             <a:pPr lvl="1"/>
@@ -2027,7 +2032,6 @@
               <a:rPr lang="zh-CN" altLang="en-US" smtClean="0"/>
               <a:t>第二级</a:t>
             </a:r>
-            <a:endParaRPr lang="zh-CN" altLang="en-US" smtClean="0"/>
           </a:p>
           <a:p>
             <a:pPr lvl="2"/>
@@ -2035,7 +2039,6 @@
               <a:rPr lang="zh-CN" altLang="en-US" smtClean="0"/>
               <a:t>第三级</a:t>
             </a:r>
-            <a:endParaRPr lang="zh-CN" altLang="en-US" smtClean="0"/>
           </a:p>
           <a:p>
             <a:pPr lvl="3"/>
@@ -2043,7 +2046,6 @@
               <a:rPr lang="zh-CN" altLang="en-US" smtClean="0"/>
               <a:t>第四级</a:t>
             </a:r>
-            <a:endParaRPr lang="zh-CN" altLang="en-US" smtClean="0"/>
           </a:p>
           <a:p>
             <a:pPr lvl="4"/>
@@ -2080,7 +2082,6 @@
               <a:rPr lang="zh-CN" altLang="en-US" smtClean="0"/>
               <a:t>单击此处编辑母版文本样式</a:t>
             </a:r>
-            <a:endParaRPr lang="zh-CN" altLang="en-US" smtClean="0"/>
           </a:p>
           <a:p>
             <a:pPr lvl="1"/>
@@ -2088,7 +2089,6 @@
               <a:rPr lang="zh-CN" altLang="en-US" smtClean="0"/>
               <a:t>第二级</a:t>
             </a:r>
-            <a:endParaRPr lang="zh-CN" altLang="en-US" smtClean="0"/>
           </a:p>
           <a:p>
             <a:pPr lvl="2"/>
@@ -2096,7 +2096,6 @@
               <a:rPr lang="zh-CN" altLang="en-US" smtClean="0"/>
               <a:t>第三级</a:t>
             </a:r>
-            <a:endParaRPr lang="zh-CN" altLang="en-US" smtClean="0"/>
           </a:p>
           <a:p>
             <a:pPr lvl="3"/>
@@ -2104,7 +2103,6 @@
               <a:rPr lang="zh-CN" altLang="en-US" smtClean="0"/>
               <a:t>第四级</a:t>
             </a:r>
-            <a:endParaRPr lang="zh-CN" altLang="en-US" smtClean="0"/>
           </a:p>
           <a:p>
             <a:pPr lvl="4"/>
@@ -2133,6 +2131,7 @@
           <a:p>
             <a:fld id="{D997B5FA-0921-464F-AAE1-844C04324D75}" type="datetimeFigureOut">
               <a:rPr lang="zh-CN" altLang="en-US" smtClean="0"/>
+              <a:t>2017/6/13</a:t>
             </a:fld>
             <a:endParaRPr lang="zh-CN" altLang="en-US"/>
           </a:p>
@@ -2174,6 +2173,7 @@
           <a:p>
             <a:fld id="{565CE74E-AB26-4998-AD42-012C4C1AD076}" type="slidenum">
               <a:rPr lang="zh-CN" altLang="en-US" smtClean="0"/>
+              <a:t>‹#›</a:t>
             </a:fld>
             <a:endParaRPr lang="zh-CN" altLang="en-US"/>
           </a:p>
@@ -2294,7 +2294,6 @@
               <a:rPr lang="zh-CN" altLang="en-US" smtClean="0"/>
               <a:t>单击此处编辑母版文本样式</a:t>
             </a:r>
-            <a:endParaRPr lang="zh-CN" altLang="en-US" smtClean="0"/>
           </a:p>
         </p:txBody>
       </p:sp>
@@ -2323,7 +2322,6 @@
               <a:rPr lang="zh-CN" altLang="en-US" smtClean="0"/>
               <a:t>单击此处编辑母版文本样式</a:t>
             </a:r>
-            <a:endParaRPr lang="zh-CN" altLang="en-US" smtClean="0"/>
           </a:p>
           <a:p>
             <a:pPr lvl="1"/>
@@ -2331,7 +2329,6 @@
               <a:rPr lang="zh-CN" altLang="en-US" smtClean="0"/>
               <a:t>第二级</a:t>
             </a:r>
-            <a:endParaRPr lang="zh-CN" altLang="en-US" smtClean="0"/>
           </a:p>
           <a:p>
             <a:pPr lvl="2"/>
@@ -2339,7 +2336,6 @@
               <a:rPr lang="zh-CN" altLang="en-US" smtClean="0"/>
               <a:t>第三级</a:t>
             </a:r>
-            <a:endParaRPr lang="zh-CN" altLang="en-US" smtClean="0"/>
           </a:p>
           <a:p>
             <a:pPr lvl="3"/>
@@ -2347,7 +2343,6 @@
               <a:rPr lang="zh-CN" altLang="en-US" smtClean="0"/>
               <a:t>第四级</a:t>
             </a:r>
-            <a:endParaRPr lang="zh-CN" altLang="en-US" smtClean="0"/>
           </a:p>
           <a:p>
             <a:pPr lvl="4"/>
@@ -2421,7 +2416,6 @@
               <a:rPr lang="zh-CN" altLang="en-US" smtClean="0"/>
               <a:t>单击此处编辑母版文本样式</a:t>
             </a:r>
-            <a:endParaRPr lang="zh-CN" altLang="en-US" smtClean="0"/>
           </a:p>
         </p:txBody>
       </p:sp>
@@ -2450,7 +2444,6 @@
               <a:rPr lang="zh-CN" altLang="en-US" smtClean="0"/>
               <a:t>单击此处编辑母版文本样式</a:t>
             </a:r>
-            <a:endParaRPr lang="zh-CN" altLang="en-US" smtClean="0"/>
           </a:p>
           <a:p>
             <a:pPr lvl="1"/>
@@ -2458,7 +2451,6 @@
               <a:rPr lang="zh-CN" altLang="en-US" smtClean="0"/>
               <a:t>第二级</a:t>
             </a:r>
-            <a:endParaRPr lang="zh-CN" altLang="en-US" smtClean="0"/>
           </a:p>
           <a:p>
             <a:pPr lvl="2"/>
@@ -2466,7 +2458,6 @@
               <a:rPr lang="zh-CN" altLang="en-US" smtClean="0"/>
               <a:t>第三级</a:t>
             </a:r>
-            <a:endParaRPr lang="zh-CN" altLang="en-US" smtClean="0"/>
           </a:p>
           <a:p>
             <a:pPr lvl="3"/>
@@ -2474,7 +2465,6 @@
               <a:rPr lang="zh-CN" altLang="en-US" smtClean="0"/>
               <a:t>第四级</a:t>
             </a:r>
-            <a:endParaRPr lang="zh-CN" altLang="en-US" smtClean="0"/>
           </a:p>
           <a:p>
             <a:pPr lvl="4"/>
@@ -2503,6 +2493,7 @@
           <a:p>
             <a:fld id="{D997B5FA-0921-464F-AAE1-844C04324D75}" type="datetimeFigureOut">
               <a:rPr lang="zh-CN" altLang="en-US" smtClean="0"/>
+              <a:t>2017/6/13</a:t>
             </a:fld>
             <a:endParaRPr lang="zh-CN" altLang="en-US"/>
           </a:p>
@@ -2544,6 +2535,7 @@
           <a:p>
             <a:fld id="{565CE74E-AB26-4998-AD42-012C4C1AD076}" type="slidenum">
               <a:rPr lang="zh-CN" altLang="en-US" smtClean="0"/>
+              <a:t>‹#›</a:t>
             </a:fld>
             <a:endParaRPr lang="zh-CN" altLang="en-US"/>
           </a:p>
@@ -2614,6 +2606,7 @@
           <a:p>
             <a:fld id="{D997B5FA-0921-464F-AAE1-844C04324D75}" type="datetimeFigureOut">
               <a:rPr lang="zh-CN" altLang="en-US" smtClean="0"/>
+              <a:t>2017/6/13</a:t>
             </a:fld>
             <a:endParaRPr lang="zh-CN" altLang="en-US"/>
           </a:p>
@@ -2655,6 +2648,7 @@
           <a:p>
             <a:fld id="{565CE74E-AB26-4998-AD42-012C4C1AD076}" type="slidenum">
               <a:rPr lang="zh-CN" altLang="en-US" smtClean="0"/>
+              <a:t>‹#›</a:t>
             </a:fld>
             <a:endParaRPr lang="zh-CN" altLang="en-US"/>
           </a:p>
@@ -2702,6 +2696,7 @@
           <a:p>
             <a:fld id="{D997B5FA-0921-464F-AAE1-844C04324D75}" type="datetimeFigureOut">
               <a:rPr lang="zh-CN" altLang="en-US" smtClean="0"/>
+              <a:t>2017/6/13</a:t>
             </a:fld>
             <a:endParaRPr lang="zh-CN" altLang="en-US"/>
           </a:p>
@@ -2743,6 +2738,7 @@
           <a:p>
             <a:fld id="{565CE74E-AB26-4998-AD42-012C4C1AD076}" type="slidenum">
               <a:rPr lang="zh-CN" altLang="en-US" smtClean="0"/>
+              <a:t>‹#›</a:t>
             </a:fld>
             <a:endParaRPr lang="zh-CN" altLang="en-US"/>
           </a:p>
@@ -2858,7 +2854,6 @@
               <a:rPr lang="zh-CN" altLang="en-US" smtClean="0"/>
               <a:t>单击此处编辑母版文本样式</a:t>
             </a:r>
-            <a:endParaRPr lang="zh-CN" altLang="en-US" smtClean="0"/>
           </a:p>
           <a:p>
             <a:pPr lvl="1"/>
@@ -2866,7 +2861,6 @@
               <a:rPr lang="zh-CN" altLang="en-US" smtClean="0"/>
               <a:t>第二级</a:t>
             </a:r>
-            <a:endParaRPr lang="zh-CN" altLang="en-US" smtClean="0"/>
           </a:p>
           <a:p>
             <a:pPr lvl="2"/>
@@ -2874,7 +2868,6 @@
               <a:rPr lang="zh-CN" altLang="en-US" smtClean="0"/>
               <a:t>第三级</a:t>
             </a:r>
-            <a:endParaRPr lang="zh-CN" altLang="en-US" smtClean="0"/>
           </a:p>
           <a:p>
             <a:pPr lvl="3"/>
@@ -2882,7 +2875,6 @@
               <a:rPr lang="zh-CN" altLang="en-US" smtClean="0"/>
               <a:t>第四级</a:t>
             </a:r>
-            <a:endParaRPr lang="zh-CN" altLang="en-US" smtClean="0"/>
           </a:p>
           <a:p>
             <a:pPr lvl="4"/>
@@ -2956,7 +2948,6 @@
               <a:rPr lang="zh-CN" altLang="en-US" smtClean="0"/>
               <a:t>单击此处编辑母版文本样式</a:t>
             </a:r>
-            <a:endParaRPr lang="zh-CN" altLang="en-US" smtClean="0"/>
           </a:p>
         </p:txBody>
       </p:sp>
@@ -2977,6 +2968,7 @@
           <a:p>
             <a:fld id="{D997B5FA-0921-464F-AAE1-844C04324D75}" type="datetimeFigureOut">
               <a:rPr lang="zh-CN" altLang="en-US" smtClean="0"/>
+              <a:t>2017/6/13</a:t>
             </a:fld>
             <a:endParaRPr lang="zh-CN" altLang="en-US"/>
           </a:p>
@@ -3018,6 +3010,7 @@
           <a:p>
             <a:fld id="{565CE74E-AB26-4998-AD42-012C4C1AD076}" type="slidenum">
               <a:rPr lang="zh-CN" altLang="en-US" smtClean="0"/>
+              <a:t>‹#›</a:t>
             </a:fld>
             <a:endParaRPr lang="zh-CN" altLang="en-US"/>
           </a:p>
@@ -3203,7 +3196,6 @@
               <a:rPr lang="zh-CN" altLang="en-US" smtClean="0"/>
               <a:t>单击此处编辑母版文本样式</a:t>
             </a:r>
-            <a:endParaRPr lang="zh-CN" altLang="en-US" smtClean="0"/>
           </a:p>
         </p:txBody>
       </p:sp>
@@ -3224,6 +3216,7 @@
           <a:p>
             <a:fld id="{D997B5FA-0921-464F-AAE1-844C04324D75}" type="datetimeFigureOut">
               <a:rPr lang="zh-CN" altLang="en-US" smtClean="0"/>
+              <a:t>2017/6/13</a:t>
             </a:fld>
             <a:endParaRPr lang="zh-CN" altLang="en-US"/>
           </a:p>
@@ -3265,6 +3258,7 @@
           <a:p>
             <a:fld id="{565CE74E-AB26-4998-AD42-012C4C1AD076}" type="slidenum">
               <a:rPr lang="zh-CN" altLang="en-US" smtClean="0"/>
+              <a:t>‹#›</a:t>
             </a:fld>
             <a:endParaRPr lang="zh-CN" altLang="en-US"/>
           </a:p>
@@ -3363,7 +3357,6 @@
               <a:rPr lang="zh-CN" altLang="en-US" smtClean="0"/>
               <a:t>单击此处编辑母版文本样式</a:t>
             </a:r>
-            <a:endParaRPr lang="zh-CN" altLang="en-US" smtClean="0"/>
           </a:p>
           <a:p>
             <a:pPr lvl="1"/>
@@ -3371,7 +3364,6 @@
               <a:rPr lang="zh-CN" altLang="en-US" smtClean="0"/>
               <a:t>第二级</a:t>
             </a:r>
-            <a:endParaRPr lang="zh-CN" altLang="en-US" smtClean="0"/>
           </a:p>
           <a:p>
             <a:pPr lvl="2"/>
@@ -3379,7 +3371,6 @@
               <a:rPr lang="zh-CN" altLang="en-US" smtClean="0"/>
               <a:t>第三级</a:t>
             </a:r>
-            <a:endParaRPr lang="zh-CN" altLang="en-US" smtClean="0"/>
           </a:p>
           <a:p>
             <a:pPr lvl="3"/>
@@ -3387,7 +3378,6 @@
               <a:rPr lang="zh-CN" altLang="en-US" smtClean="0"/>
               <a:t>第四级</a:t>
             </a:r>
-            <a:endParaRPr lang="zh-CN" altLang="en-US" smtClean="0"/>
           </a:p>
           <a:p>
             <a:pPr lvl="4"/>
@@ -3434,6 +3424,7 @@
           <a:p>
             <a:fld id="{D997B5FA-0921-464F-AAE1-844C04324D75}" type="datetimeFigureOut">
               <a:rPr lang="zh-CN" altLang="en-US" smtClean="0"/>
+              <a:t>2017/6/13</a:t>
             </a:fld>
             <a:endParaRPr lang="zh-CN" altLang="en-US"/>
           </a:p>
@@ -3511,6 +3502,7 @@
           <a:p>
             <a:fld id="{565CE74E-AB26-4998-AD42-012C4C1AD076}" type="slidenum">
               <a:rPr lang="zh-CN" altLang="en-US" smtClean="0"/>
+              <a:t>‹#›</a:t>
             </a:fld>
             <a:endParaRPr lang="zh-CN" altLang="en-US"/>
           </a:p>
@@ -3826,7 +3818,14 @@
         <p:cNvGrpSpPr/>
         <p:nvPr/>
       </p:nvGrpSpPr>
-      <p:grpSpPr/>
+      <p:grpSpPr>
+        <a:xfrm>
+          <a:off x="0" y="0"/>
+          <a:ext cx="0" cy="0"/>
+          <a:chOff x="0" y="0"/>
+          <a:chExt cx="0" cy="0"/>
+        </a:xfrm>
+      </p:grpSpPr>
       <p:sp>
         <p:nvSpPr>
           <p:cNvPr id="2" name="标题 1"/>
@@ -3840,12 +3839,12 @@
         <p:spPr/>
         <p:txBody>
           <a:bodyPr/>
+          <a:lstStyle/>
           <a:p>
             <a:r>
               <a:rPr lang="en-US" altLang="zh-CN"/>
               <a:t>Organic Food Store</a:t>
             </a:r>
-            <a:endParaRPr lang="en-US" altLang="zh-CN"/>
           </a:p>
         </p:txBody>
       </p:sp>
@@ -3854,6 +3853,318 @@
   <p:clrMapOvr>
     <a:masterClrMapping/>
   </p:clrMapOvr>
+</p:sld>
+</file>
+
+<file path=ppt/slides/slide10.xml><?xml version="1.0" encoding="utf-8"?>
+<p:sld xmlns:a="http://schemas.openxmlformats.org/drawingml/2006/main" xmlns:r="http://schemas.openxmlformats.org/officeDocument/2006/relationships" xmlns:p="http://schemas.openxmlformats.org/presentationml/2006/main">
+  <p:cSld>
+    <p:spTree>
+      <p:nvGrpSpPr>
+        <p:cNvPr id="1" name=""/>
+        <p:cNvGrpSpPr/>
+        <p:nvPr/>
+      </p:nvGrpSpPr>
+      <p:grpSpPr>
+        <a:xfrm>
+          <a:off x="0" y="0"/>
+          <a:ext cx="0" cy="0"/>
+          <a:chOff x="0" y="0"/>
+          <a:chExt cx="0" cy="0"/>
+        </a:xfrm>
+      </p:grpSpPr>
+      <p:sp>
+        <p:nvSpPr>
+          <p:cNvPr id="3" name="タイトル 2"/>
+          <p:cNvSpPr>
+            <a:spLocks noGrp="1"/>
+          </p:cNvSpPr>
+          <p:nvPr>
+            <p:ph type="title"/>
+          </p:nvPr>
+        </p:nvSpPr>
+        <p:spPr/>
+        <p:txBody>
+          <a:bodyPr/>
+          <a:lstStyle/>
+          <a:p>
+            <a:r>
+              <a:rPr lang="en-US" altLang="ja-JP"/>
+              <a:t>4,</a:t>
+            </a:r>
+            <a:r>
+              <a:rPr lang="zh-CN" altLang="en-US"/>
+              <a:t>环境设置（</a:t>
+            </a:r>
+            <a:r>
+              <a:rPr lang="en-US" altLang="zh-CN"/>
+              <a:t>mysql</a:t>
+            </a:r>
+            <a:r>
+              <a:rPr lang="zh-CN" altLang="en-US"/>
+              <a:t>）阿里云</a:t>
+            </a:r>
+            <a:r>
+              <a:rPr lang="en-US" altLang="zh-CN"/>
+              <a:t>RDS</a:t>
+            </a:r>
+          </a:p>
+        </p:txBody>
+      </p:sp>
+      <p:sp>
+        <p:nvSpPr>
+          <p:cNvPr id="5" name="テキスト プレースホルダー 4"/>
+          <p:cNvSpPr>
+            <a:spLocks noGrp="1"/>
+          </p:cNvSpPr>
+          <p:nvPr>
+            <p:ph type="body" sz="quarter" idx="10"/>
+          </p:nvPr>
+        </p:nvSpPr>
+        <p:spPr>
+          <a:xfrm>
+            <a:off x="662305" y="1005205"/>
+            <a:ext cx="10869295" cy="5227955"/>
+          </a:xfrm>
+        </p:spPr>
+        <p:txBody>
+          <a:bodyPr/>
+          <a:lstStyle/>
+          <a:p>
+            <a:r>
+              <a:rPr kumimoji="1" lang="en-US" altLang="zh-CN"/>
+              <a:t>hostname</a:t>
+            </a:r>
+            <a:r>
+              <a:rPr kumimoji="1" lang="zh-CN" altLang="en-US"/>
+              <a:t>：rm-uf6t00e25nxn66cnao.mysql.rds.aliyuncs.com</a:t>
+            </a:r>
+          </a:p>
+          <a:p>
+            <a:r>
+              <a:rPr kumimoji="1" lang="en-US" altLang="zh-CN"/>
+              <a:t>port</a:t>
+            </a:r>
+            <a:r>
+              <a:rPr kumimoji="1" lang="zh-CN" altLang="en-US"/>
+              <a:t>：3306</a:t>
+            </a:r>
+          </a:p>
+          <a:p>
+            <a:r>
+              <a:rPr kumimoji="1" lang="en-US" altLang="zh-CN"/>
+              <a:t>user</a:t>
+            </a:r>
+            <a:r>
+              <a:rPr kumimoji="1" lang="zh-CN" altLang="en-US"/>
+              <a:t>：</a:t>
+            </a:r>
+            <a:r>
+              <a:rPr kumimoji="1" lang="en-US" altLang="zh-CN"/>
+              <a:t>root</a:t>
+            </a:r>
+          </a:p>
+          <a:p>
+            <a:r>
+              <a:rPr kumimoji="1" lang="en-US" altLang="zh-CN"/>
+              <a:t>pwd</a:t>
+            </a:r>
+            <a:r>
+              <a:rPr kumimoji="1" lang="zh-CN" altLang="en-US"/>
+              <a:t>：</a:t>
+            </a:r>
+            <a:r>
+              <a:rPr kumimoji="1" lang="en-US" altLang="zh-CN"/>
+              <a:t>Easy2get</a:t>
+            </a:r>
+          </a:p>
+          <a:p>
+            <a:endParaRPr kumimoji="1" lang="en-US" altLang="zh-CN"/>
+          </a:p>
+        </p:txBody>
+      </p:sp>
+    </p:spTree>
+  </p:cSld>
+  <p:clrMapOvr>
+    <a:masterClrMapping/>
+  </p:clrMapOvr>
+  <p:timing>
+    <p:tnLst>
+      <p:par>
+        <p:cTn id="1" dur="indefinite" restart="never" nodeType="tmRoot"/>
+      </p:par>
+    </p:tnLst>
+  </p:timing>
+</p:sld>
+</file>
+
+<file path=ppt/slides/slide11.xml><?xml version="1.0" encoding="utf-8"?>
+<p:sld xmlns:a="http://schemas.openxmlformats.org/drawingml/2006/main" xmlns:r="http://schemas.openxmlformats.org/officeDocument/2006/relationships" xmlns:p="http://schemas.openxmlformats.org/presentationml/2006/main">
+  <p:cSld>
+    <p:spTree>
+      <p:nvGrpSpPr>
+        <p:cNvPr id="1" name=""/>
+        <p:cNvGrpSpPr/>
+        <p:nvPr/>
+      </p:nvGrpSpPr>
+      <p:grpSpPr>
+        <a:xfrm>
+          <a:off x="0" y="0"/>
+          <a:ext cx="0" cy="0"/>
+          <a:chOff x="0" y="0"/>
+          <a:chExt cx="0" cy="0"/>
+        </a:xfrm>
+      </p:grpSpPr>
+      <p:sp>
+        <p:nvSpPr>
+          <p:cNvPr id="3" name="タイトル 2"/>
+          <p:cNvSpPr>
+            <a:spLocks noGrp="1"/>
+          </p:cNvSpPr>
+          <p:nvPr>
+            <p:ph type="title"/>
+          </p:nvPr>
+        </p:nvSpPr>
+        <p:spPr/>
+        <p:txBody>
+          <a:bodyPr/>
+          <a:lstStyle/>
+          <a:p>
+            <a:r>
+              <a:rPr lang="en-US" altLang="ja-JP"/>
+              <a:t>5,</a:t>
+            </a:r>
+            <a:r>
+              <a:rPr lang="zh-CN" altLang="en-US"/>
+              <a:t>服务器环境（</a:t>
+            </a:r>
+            <a:r>
+              <a:rPr lang="en-US" altLang="zh-CN"/>
+              <a:t>linux</a:t>
+            </a:r>
+            <a:r>
+              <a:rPr lang="zh-CN" altLang="en-US"/>
+              <a:t>）阿里云</a:t>
+            </a:r>
+            <a:r>
+              <a:rPr lang="en-US" altLang="zh-CN"/>
+              <a:t>ECS</a:t>
+            </a:r>
+          </a:p>
+        </p:txBody>
+      </p:sp>
+      <p:sp>
+        <p:nvSpPr>
+          <p:cNvPr id="5" name="テキスト プレースホルダー 4"/>
+          <p:cNvSpPr>
+            <a:spLocks noGrp="1"/>
+          </p:cNvSpPr>
+          <p:nvPr>
+            <p:ph type="body" sz="quarter" idx="10"/>
+          </p:nvPr>
+        </p:nvSpPr>
+        <p:spPr>
+          <a:xfrm>
+            <a:off x="662305" y="1005205"/>
+            <a:ext cx="10869295" cy="5227955"/>
+          </a:xfrm>
+        </p:spPr>
+        <p:txBody>
+          <a:bodyPr/>
+          <a:lstStyle/>
+          <a:p>
+            <a:r>
+              <a:rPr kumimoji="1" lang="en-US"/>
+              <a:t>ip</a:t>
+            </a:r>
+            <a:r>
+              <a:rPr kumimoji="1" lang="zh-CN" altLang="en-US"/>
+              <a:t>：</a:t>
+            </a:r>
+            <a:r>
+              <a:rPr kumimoji="1"/>
+              <a:t>47.93.22.152</a:t>
+            </a:r>
+          </a:p>
+          <a:p>
+            <a:r>
+              <a:rPr kumimoji="1" lang="en-US" altLang="zh-CN"/>
+              <a:t>port</a:t>
+            </a:r>
+            <a:r>
+              <a:rPr kumimoji="1" lang="zh-CN" altLang="en-US"/>
+              <a:t>：</a:t>
+            </a:r>
+            <a:r>
+              <a:rPr kumimoji="1">
+                <a:sym typeface="+mn-ea"/>
+              </a:rPr>
+              <a:t>22</a:t>
+            </a:r>
+          </a:p>
+          <a:p>
+            <a:r>
+              <a:rPr kumimoji="1" lang="en-US" altLang="zh-CN"/>
+              <a:t>user</a:t>
+            </a:r>
+            <a:r>
+              <a:rPr kumimoji="1" lang="zh-CN" altLang="en-US"/>
+              <a:t>：</a:t>
+            </a:r>
+            <a:r>
+              <a:rPr kumimoji="1" lang="en-US" altLang="zh-CN"/>
+              <a:t>root</a:t>
+            </a:r>
+          </a:p>
+          <a:p>
+            <a:r>
+              <a:rPr kumimoji="1" lang="en-US" altLang="zh-CN"/>
+              <a:t>pwd</a:t>
+            </a:r>
+            <a:r>
+              <a:rPr kumimoji="1" lang="zh-CN" altLang="en-US"/>
+              <a:t>：</a:t>
+            </a:r>
+            <a:r>
+              <a:rPr kumimoji="1" lang="en-US" altLang="zh-CN"/>
+              <a:t>Easy2get</a:t>
+            </a:r>
+          </a:p>
+          <a:p>
+            <a:endParaRPr kumimoji="1" lang="en-US" altLang="zh-CN"/>
+          </a:p>
+          <a:p>
+            <a:r>
+              <a:rPr kumimoji="1" lang="zh-CN" altLang="en-US"/>
+              <a:t>推荐</a:t>
+            </a:r>
+            <a:r>
+              <a:rPr kumimoji="1" lang="en-US" altLang="zh-CN"/>
+              <a:t>ssh</a:t>
+            </a:r>
+            <a:r>
+              <a:rPr kumimoji="1" lang="zh-CN" altLang="en-US"/>
+              <a:t>链接工具：</a:t>
+            </a:r>
+            <a:r>
+              <a:rPr kumimoji="1" lang="en-US" altLang="zh-CN"/>
+              <a:t>xshell5</a:t>
+            </a:r>
+          </a:p>
+        </p:txBody>
+      </p:sp>
+    </p:spTree>
+  </p:cSld>
+  <p:clrMapOvr>
+    <a:masterClrMapping/>
+  </p:clrMapOvr>
+  <p:timing>
+    <p:tnLst>
+      <p:par>
+        <p:cTn id="1" dur="indefinite" restart="never" nodeType="tmRoot"/>
+      </p:par>
+    </p:tnLst>
+  </p:timing>
 </p:sld>
 </file>
 
@@ -3949,11 +4260,6 @@
               </a:rPr>
               <a:t>动作环境</a:t>
             </a:r>
-            <a:endParaRPr kumimoji="1" lang="zh-CN" altLang="en-US" sz="2000" dirty="0" smtClean="0">
-              <a:latin typeface="Meiryo UI" panose="020B0604030504040204" pitchFamily="50" charset="-128"/>
-              <a:ea typeface="Meiryo UI" panose="020B0604030504040204" pitchFamily="50" charset="-128"/>
-              <a:cs typeface="Meiryo UI" panose="020B0604030504040204" pitchFamily="50" charset="-128"/>
-            </a:endParaRPr>
           </a:p>
           <a:p>
             <a:pPr marL="342900" indent="-342900" algn="l">
@@ -4058,13 +4364,12 @@
               <a:rPr lang="zh-CN" altLang="en-US"/>
               <a:t>动作环境</a:t>
             </a:r>
-            <a:endParaRPr lang="zh-CN" altLang="en-US"/>
           </a:p>
         </p:txBody>
       </p:sp>
       <p:graphicFrame>
         <p:nvGraphicFramePr>
-          <p:cNvPr id="0" name="表格 -1"/>
+          <p:cNvPr id="2" name="表格 -1"/>
           <p:cNvGraphicFramePr/>
           <p:nvPr/>
         </p:nvGraphicFramePr>
@@ -4086,6 +4391,7 @@
                 <a:tc>
                   <a:txBody>
                     <a:bodyPr/>
+                    <a:lstStyle/>
                     <a:p>
                       <a:pPr marL="0" indent="0" algn="ctr">
                         <a:buNone/>
@@ -4104,20 +4410,9 @@
                         </a:rPr>
                         <a:t>分類</a:t>
                       </a:r>
-                      <a:endParaRPr lang="zh-CN" altLang="en-US" sz="1100" b="0" u="none">
-                        <a:solidFill>
-                          <a:srgbClr val="000000"/>
-                        </a:solidFill>
-                        <a:highlight>
-                          <a:srgbClr val="FFC000"/>
-                        </a:highlight>
-                        <a:latin typeface="宋体" panose="02010600030101010101" pitchFamily="2" charset="-122"/>
-                        <a:ea typeface="宋体" panose="02010600030101010101" pitchFamily="2" charset="-122"/>
-                        <a:cs typeface="宋体" panose="02010600030101010101" pitchFamily="2" charset="-122"/>
-                      </a:endParaRPr>
                     </a:p>
                   </a:txBody>
-                  <a:tcPr marL="0" marR="0" marT="0" marB="0" vert="horz" anchor="ctr">
+                  <a:tcPr marL="0" marR="0" marT="0" marB="0" anchor="ctr">
                     <a:lnL w="6350" cap="flat" cmpd="sng">
                       <a:solidFill>
                         <a:srgbClr val="000000"/>
@@ -4164,6 +4459,7 @@
                 <a:tc>
                   <a:txBody>
                     <a:bodyPr/>
+                    <a:lstStyle/>
                     <a:p>
                       <a:pPr marL="0" indent="0" algn="ctr">
                         <a:buNone/>
@@ -4182,20 +4478,9 @@
                         </a:rPr>
                         <a:t>说明</a:t>
                       </a:r>
-                      <a:endParaRPr lang="zh-CN" altLang="en-US" sz="1100" b="0" u="none">
-                        <a:solidFill>
-                          <a:srgbClr val="000000"/>
-                        </a:solidFill>
-                        <a:highlight>
-                          <a:srgbClr val="FFC000"/>
-                        </a:highlight>
-                        <a:latin typeface="宋体" panose="02010600030101010101" pitchFamily="2" charset="-122"/>
-                        <a:ea typeface="宋体" panose="02010600030101010101" pitchFamily="2" charset="-122"/>
-                        <a:cs typeface="宋体" panose="02010600030101010101" pitchFamily="2" charset="-122"/>
-                      </a:endParaRPr>
                     </a:p>
                   </a:txBody>
-                  <a:tcPr marL="0" marR="0" marT="0" marB="0" vert="horz" anchor="ctr">
+                  <a:tcPr marL="0" marR="0" marT="0" marB="0" anchor="ctr">
                     <a:lnL w="6350" cap="flat" cmpd="sng">
                       <a:solidFill>
                         <a:srgbClr val="000000"/>
@@ -4244,6 +4529,7 @@
                 <a:tc>
                   <a:txBody>
                     <a:bodyPr/>
+                    <a:lstStyle/>
                     <a:p>
                       <a:pPr marL="0" indent="0" algn="l">
                         <a:buNone/>
@@ -4269,7 +4555,7 @@
                       </a:endParaRPr>
                     </a:p>
                   </a:txBody>
-                  <a:tcPr marL="0" marR="0" marT="0" marB="0" vert="horz" anchor="ctr">
+                  <a:tcPr marL="0" marR="0" marT="0" marB="0" anchor="ctr">
                     <a:lnL w="6350" cap="flat" cmpd="sng">
                       <a:solidFill>
                         <a:srgbClr val="000000"/>
@@ -4314,6 +4600,7 @@
                 <a:tc>
                   <a:txBody>
                     <a:bodyPr/>
+                    <a:lstStyle/>
                     <a:p>
                       <a:pPr marL="0" indent="0" algn="l">
                         <a:buNone/>
@@ -4329,14 +4616,6 @@
                         </a:rPr>
                         <a:t> CentOS</a:t>
                       </a:r>
-                      <a:endParaRPr lang="en-US" altLang="zh-CN" sz="1100" b="0" u="none">
-                        <a:solidFill>
-                          <a:srgbClr val="000000"/>
-                        </a:solidFill>
-                        <a:latin typeface="宋体" panose="02010600030101010101" pitchFamily="2" charset="-122"/>
-                        <a:ea typeface="宋体" panose="02010600030101010101" pitchFamily="2" charset="-122"/>
-                        <a:cs typeface="宋体" panose="02010600030101010101" pitchFamily="2" charset="-122"/>
-                      </a:endParaRPr>
                     </a:p>
                     <a:p>
                       <a:pPr marL="0" indent="0" algn="l">
@@ -4365,7 +4644,7 @@
                       </a:endParaRPr>
                     </a:p>
                   </a:txBody>
-                  <a:tcPr marL="0" marR="0" marT="0" marB="0" vert="horz" anchor="b">
+                  <a:tcPr marL="0" marR="0" marT="0" marB="0" anchor="b">
                     <a:lnL w="6350" cap="flat" cmpd="sng">
                       <a:solidFill>
                         <a:srgbClr val="000000"/>
@@ -4412,6 +4691,7 @@
                 <a:tc>
                   <a:txBody>
                     <a:bodyPr/>
+                    <a:lstStyle/>
                     <a:p>
                       <a:pPr marL="0" indent="0" algn="l">
                         <a:buNone/>
@@ -4448,7 +4728,7 @@
                       </a:endParaRPr>
                     </a:p>
                   </a:txBody>
-                  <a:tcPr marL="0" marR="0" marT="0" marB="0" vert="horz" anchor="ctr">
+                  <a:tcPr marL="0" marR="0" marT="0" marB="0" anchor="ctr">
                     <a:lnL w="6350" cap="flat" cmpd="sng">
                       <a:solidFill>
                         <a:srgbClr val="000000"/>
@@ -4493,6 +4773,7 @@
                 <a:tc>
                   <a:txBody>
                     <a:bodyPr/>
+                    <a:lstStyle/>
                     <a:p>
                       <a:pPr marL="0" indent="0" algn="l">
                         <a:buNone/>
@@ -4518,7 +4799,7 @@
                       </a:endParaRPr>
                     </a:p>
                   </a:txBody>
-                  <a:tcPr marL="0" marR="0" marT="0" marB="0" vert="horz" anchor="b">
+                  <a:tcPr marL="0" marR="0" marT="0" marB="0" anchor="b">
                     <a:lnL w="6350" cap="flat" cmpd="sng">
                       <a:solidFill>
                         <a:srgbClr val="000000"/>
@@ -4565,6 +4846,7 @@
                 <a:tc>
                   <a:txBody>
                     <a:bodyPr/>
+                    <a:lstStyle/>
                     <a:p>
                       <a:pPr marL="0" indent="0" algn="l">
                         <a:buNone/>
@@ -4591,17 +4873,9 @@
                         </a:rPr>
                         <a:t>実行環境</a:t>
                       </a:r>
-                      <a:endParaRPr lang="zh-CN" altLang="en-US" sz="1050" b="0" u="none">
-                        <a:solidFill>
-                          <a:srgbClr val="000000"/>
-                        </a:solidFill>
-                        <a:latin typeface="MS Gothic" panose="020B0609070205080204" charset="-128"/>
-                        <a:ea typeface="MS Gothic" panose="020B0609070205080204" charset="-128"/>
-                        <a:cs typeface="MS Gothic" panose="020B0609070205080204" charset="-128"/>
-                      </a:endParaRPr>
                     </a:p>
                   </a:txBody>
-                  <a:tcPr marL="0" marR="0" marT="0" marB="0" vert="horz" anchor="ctr">
+                  <a:tcPr marL="0" marR="0" marT="0" marB="0" anchor="ctr">
                     <a:lnL w="6350" cap="flat" cmpd="sng">
                       <a:solidFill>
                         <a:srgbClr val="000000"/>
@@ -4646,6 +4920,7 @@
                 <a:tc>
                   <a:txBody>
                     <a:bodyPr/>
+                    <a:lstStyle/>
                     <a:p>
                       <a:pPr marL="0" indent="0" algn="l">
                         <a:buNone/>
@@ -4671,7 +4946,7 @@
                       </a:endParaRPr>
                     </a:p>
                   </a:txBody>
-                  <a:tcPr marL="0" marR="0" marT="0" marB="0" vert="horz" anchor="b">
+                  <a:tcPr marL="0" marR="0" marT="0" marB="0" anchor="b">
                     <a:lnL w="6350" cap="flat" cmpd="sng">
                       <a:solidFill>
                         <a:srgbClr val="000000"/>
@@ -4718,6 +4993,7 @@
                 <a:tc>
                   <a:txBody>
                     <a:bodyPr/>
+                    <a:lstStyle/>
                     <a:p>
                       <a:pPr marL="0" indent="0" algn="l">
                         <a:buNone/>
@@ -4744,17 +5020,9 @@
                         </a:rPr>
                         <a:t>コンテナ</a:t>
                       </a:r>
-                      <a:endParaRPr lang="zh-CN" altLang="en-US" sz="1050" b="0" u="none">
-                        <a:solidFill>
-                          <a:srgbClr val="000000"/>
-                        </a:solidFill>
-                        <a:latin typeface="MS Gothic" panose="020B0609070205080204" charset="-128"/>
-                        <a:ea typeface="MS Gothic" panose="020B0609070205080204" charset="-128"/>
-                        <a:cs typeface="MS Gothic" panose="020B0609070205080204" charset="-128"/>
-                      </a:endParaRPr>
                     </a:p>
                   </a:txBody>
-                  <a:tcPr marL="0" marR="0" marT="0" marB="0" vert="horz" anchor="ctr">
+                  <a:tcPr marL="0" marR="0" marT="0" marB="0" anchor="ctr">
                     <a:lnL w="6350" cap="flat" cmpd="sng">
                       <a:solidFill>
                         <a:srgbClr val="000000"/>
@@ -4799,6 +5067,7 @@
                 <a:tc>
                   <a:txBody>
                     <a:bodyPr/>
+                    <a:lstStyle/>
                     <a:p>
                       <a:pPr marL="0" indent="0" algn="l">
                         <a:buNone/>
@@ -4814,17 +5083,9 @@
                         </a:rPr>
                         <a:t> Tomcat8</a:t>
                       </a:r>
-                      <a:endParaRPr lang="en-US" altLang="zh-CN" sz="1100" b="0" u="none">
-                        <a:solidFill>
-                          <a:srgbClr val="000000"/>
-                        </a:solidFill>
-                        <a:latin typeface="宋体" panose="02010600030101010101" pitchFamily="2" charset="-122"/>
-                        <a:ea typeface="宋体" panose="02010600030101010101" pitchFamily="2" charset="-122"/>
-                        <a:cs typeface="宋体" panose="02010600030101010101" pitchFamily="2" charset="-122"/>
-                      </a:endParaRPr>
                     </a:p>
                   </a:txBody>
-                  <a:tcPr marL="0" marR="0" marT="0" marB="0" vert="horz" anchor="b">
+                  <a:tcPr marL="0" marR="0" marT="0" marB="0" anchor="b">
                     <a:lnL w="6350" cap="flat" cmpd="sng">
                       <a:solidFill>
                         <a:srgbClr val="000000"/>
@@ -4871,6 +5132,7 @@
                 <a:tc rowSpan="2">
                   <a:txBody>
                     <a:bodyPr/>
+                    <a:lstStyle/>
                     <a:p>
                       <a:pPr marL="0" indent="0" algn="l">
                         <a:buNone/>
@@ -4897,17 +5159,9 @@
                         </a:rPr>
                         <a:t>ライブラリ</a:t>
                       </a:r>
-                      <a:endParaRPr lang="zh-CN" altLang="en-US" sz="1050" b="0" u="none">
-                        <a:solidFill>
-                          <a:srgbClr val="000000"/>
-                        </a:solidFill>
-                        <a:latin typeface="MS Gothic" panose="020B0609070205080204" charset="-128"/>
-                        <a:ea typeface="MS Gothic" panose="020B0609070205080204" charset="-128"/>
-                        <a:cs typeface="MS Gothic" panose="020B0609070205080204" charset="-128"/>
-                      </a:endParaRPr>
                     </a:p>
                   </a:txBody>
-                  <a:tcPr marL="0" marR="0" marT="0" marB="0" vert="horz" anchor="ctr">
+                  <a:tcPr marL="0" marR="0" marT="0" marB="0" anchor="ctr">
                     <a:lnL w="6350" cap="flat" cmpd="sng">
                       <a:solidFill>
                         <a:srgbClr val="000000"/>
@@ -4952,6 +5206,7 @@
                 <a:tc>
                   <a:txBody>
                     <a:bodyPr/>
+                    <a:lstStyle/>
                     <a:p>
                       <a:pPr marL="0" indent="0" algn="l">
                         <a:buNone/>
@@ -4977,7 +5232,7 @@
                       </a:endParaRPr>
                     </a:p>
                   </a:txBody>
-                  <a:tcPr marL="0" marR="0" marT="0" marB="0" vert="horz" anchor="b">
+                  <a:tcPr marL="0" marR="0" marT="0" marB="0" anchor="b">
                     <a:lnL w="6350" cap="flat" cmpd="sng">
                       <a:solidFill>
                         <a:srgbClr val="000000"/>
@@ -5022,6 +5277,13 @@
               </a:tr>
               <a:tr h="323850">
                 <a:tc vMerge="1">
+                  <a:txBody>
+                    <a:bodyPr/>
+                    <a:lstStyle/>
+                    <a:p>
+                      <a:endParaRPr lang="en-US"/>
+                    </a:p>
+                  </a:txBody>
                   <a:tcPr>
                     <a:lnL w="6350" cap="flat" cmpd="sng">
                       <a:solidFill>
@@ -5052,6 +5314,7 @@
                 <a:tc>
                   <a:txBody>
                     <a:bodyPr/>
+                    <a:lstStyle/>
                     <a:p>
                       <a:pPr marL="0" indent="0" algn="l">
                         <a:buNone/>
@@ -5077,7 +5340,7 @@
                       </a:endParaRPr>
                     </a:p>
                   </a:txBody>
-                  <a:tcPr marL="0" marR="0" marT="0" marB="0" vert="horz" anchor="b">
+                  <a:tcPr marL="0" marR="0" marT="0" marB="0" anchor="b">
                     <a:lnL w="6350" cap="flat" cmpd="sng">
                       <a:solidFill>
                         <a:srgbClr val="000000"/>
@@ -5124,6 +5387,7 @@
                 <a:tc>
                   <a:txBody>
                     <a:bodyPr/>
+                    <a:lstStyle/>
                     <a:p>
                       <a:pPr marL="0" indent="0" algn="l">
                         <a:buNone/>
@@ -5139,17 +5403,9 @@
                         </a:rPr>
                         <a:t>データベース</a:t>
                       </a:r>
-                      <a:endParaRPr lang="zh-CN" altLang="en-US" sz="1050" b="0" u="none">
-                        <a:solidFill>
-                          <a:srgbClr val="000000"/>
-                        </a:solidFill>
-                        <a:latin typeface="MS Gothic" panose="020B0609070205080204" charset="-128"/>
-                        <a:ea typeface="MS Gothic" panose="020B0609070205080204" charset="-128"/>
-                        <a:cs typeface="MS Gothic" panose="020B0609070205080204" charset="-128"/>
-                      </a:endParaRPr>
                     </a:p>
                   </a:txBody>
-                  <a:tcPr marL="0" marR="0" marT="0" marB="0" vert="horz" anchor="ctr">
+                  <a:tcPr marL="0" marR="0" marT="0" marB="0" anchor="ctr">
                     <a:lnL w="6350" cap="flat" cmpd="sng">
                       <a:solidFill>
                         <a:srgbClr val="000000"/>
@@ -5194,6 +5450,7 @@
                 <a:tc>
                   <a:txBody>
                     <a:bodyPr/>
+                    <a:lstStyle/>
                     <a:p>
                       <a:pPr marL="0" indent="0" algn="l">
                         <a:buNone/>
@@ -5219,7 +5476,7 @@
                       </a:endParaRPr>
                     </a:p>
                   </a:txBody>
-                  <a:tcPr marL="0" marR="0" marT="0" marB="0" vert="horz" anchor="b">
+                  <a:tcPr marL="0" marR="0" marT="0" marB="0" anchor="b">
                     <a:lnL w="6350" cap="flat" cmpd="sng">
                       <a:solidFill>
                         <a:srgbClr val="000000"/>
@@ -5266,6 +5523,7 @@
                 <a:tc>
                   <a:txBody>
                     <a:bodyPr/>
+                    <a:lstStyle/>
                     <a:p>
                       <a:pPr marL="0" indent="0" algn="l">
                         <a:buNone/>
@@ -5281,17 +5539,9 @@
                         </a:rPr>
                         <a:t>オンメモリキャッシュ</a:t>
                       </a:r>
-                      <a:endParaRPr lang="zh-CN" altLang="en-US" sz="1050" b="0" u="none">
-                        <a:solidFill>
-                          <a:srgbClr val="000000"/>
-                        </a:solidFill>
-                        <a:latin typeface="MS Gothic" panose="020B0609070205080204" charset="-128"/>
-                        <a:ea typeface="MS Gothic" panose="020B0609070205080204" charset="-128"/>
-                        <a:cs typeface="MS Gothic" panose="020B0609070205080204" charset="-128"/>
-                      </a:endParaRPr>
                     </a:p>
                   </a:txBody>
-                  <a:tcPr marL="0" marR="0" marT="0" marB="0" vert="horz" anchor="ctr">
+                  <a:tcPr marL="0" marR="0" marT="0" marB="0" anchor="ctr">
                     <a:lnL w="6350" cap="flat" cmpd="sng">
                       <a:solidFill>
                         <a:srgbClr val="000000"/>
@@ -5336,6 +5586,7 @@
                 <a:tc>
                   <a:txBody>
                     <a:bodyPr/>
+                    <a:lstStyle/>
                     <a:p>
                       <a:pPr marL="0" indent="0" algn="l">
                         <a:buNone/>
@@ -5361,7 +5612,7 @@
                       </a:endParaRPr>
                     </a:p>
                   </a:txBody>
-                  <a:tcPr marL="0" marR="0" marT="0" marB="0" vert="horz" anchor="b">
+                  <a:tcPr marL="0" marR="0" marT="0" marB="0" anchor="b">
                     <a:lnL w="6350" cap="flat" cmpd="sng">
                       <a:solidFill>
                         <a:srgbClr val="000000"/>
@@ -5408,6 +5659,7 @@
                 <a:tc>
                   <a:txBody>
                     <a:bodyPr/>
+                    <a:lstStyle/>
                     <a:p>
                       <a:pPr marL="0" indent="0" algn="l">
                         <a:buNone/>
@@ -5423,17 +5675,9 @@
                         </a:rPr>
                         <a:t>バージョン管理</a:t>
                       </a:r>
-                      <a:endParaRPr lang="zh-CN" altLang="en-US" sz="1050" b="0" u="none">
-                        <a:solidFill>
-                          <a:srgbClr val="000000"/>
-                        </a:solidFill>
-                        <a:latin typeface="MS Gothic" panose="020B0609070205080204" charset="-128"/>
-                        <a:ea typeface="MS Gothic" panose="020B0609070205080204" charset="-128"/>
-                        <a:cs typeface="MS Gothic" panose="020B0609070205080204" charset="-128"/>
-                      </a:endParaRPr>
                     </a:p>
                   </a:txBody>
-                  <a:tcPr marL="0" marR="0" marT="0" marB="0" vert="horz" anchor="ctr">
+                  <a:tcPr marL="0" marR="0" marT="0" marB="0" anchor="ctr">
                     <a:lnL w="6350" cap="flat" cmpd="sng">
                       <a:solidFill>
                         <a:srgbClr val="000000"/>
@@ -5478,6 +5722,7 @@
                 <a:tc>
                   <a:txBody>
                     <a:bodyPr/>
+                    <a:lstStyle/>
                     <a:p>
                       <a:pPr marL="0" indent="0" algn="l">
                         <a:buNone/>
@@ -5493,17 +5738,9 @@
                         </a:rPr>
                         <a:t> GitHub</a:t>
                       </a:r>
-                      <a:endParaRPr lang="en-US" altLang="zh-CN" sz="1100" b="0" u="none">
-                        <a:solidFill>
-                          <a:srgbClr val="000000"/>
-                        </a:solidFill>
-                        <a:latin typeface="宋体" panose="02010600030101010101" pitchFamily="2" charset="-122"/>
-                        <a:ea typeface="宋体" panose="02010600030101010101" pitchFamily="2" charset="-122"/>
-                        <a:cs typeface="宋体" panose="02010600030101010101" pitchFamily="2" charset="-122"/>
-                      </a:endParaRPr>
                     </a:p>
                   </a:txBody>
-                  <a:tcPr marL="0" marR="0" marT="0" marB="0" vert="horz" anchor="b">
+                  <a:tcPr marL="0" marR="0" marT="0" marB="0" anchor="b">
                     <a:lnL w="6350" cap="flat" cmpd="sng">
                       <a:solidFill>
                         <a:srgbClr val="000000"/>
@@ -5672,7 +5909,7 @@
           <p:nvPr/>
         </p:nvPicPr>
         <p:blipFill>
-          <a:blip r:embed="rId1"/>
+          <a:blip r:embed="rId2"/>
           <a:stretch>
             <a:fillRect/>
           </a:stretch>
@@ -5710,7 +5947,6 @@
               <a:rPr lang="zh-CN" altLang="en-US"/>
               <a:t>环境构成</a:t>
             </a:r>
-            <a:endParaRPr lang="zh-CN" altLang="en-US"/>
           </a:p>
         </p:txBody>
       </p:sp>
@@ -5824,11 +6060,6 @@
               </a:rPr>
               <a:t>Tomcat 8.5.9/</a:t>
             </a:r>
-            <a:endParaRPr kumimoji="1" lang="en-US" altLang="ja-JP" sz="1200">
-              <a:latin typeface="Meiryo UI" panose="020B0604030504040204" pitchFamily="50" charset="-128"/>
-              <a:ea typeface="Meiryo UI" panose="020B0604030504040204" pitchFamily="50" charset="-128"/>
-              <a:cs typeface="Meiryo UI" panose="020B0604030504040204" pitchFamily="50" charset="-128"/>
-            </a:endParaRPr>
           </a:p>
           <a:p>
             <a:pPr algn="ctr"/>
@@ -5840,11 +6071,6 @@
               </a:rPr>
               <a:t>Nginx1.13.0</a:t>
             </a:r>
-            <a:endParaRPr kumimoji="1" lang="en-US" altLang="ja-JP" sz="1200" dirty="0">
-              <a:latin typeface="Meiryo UI" panose="020B0604030504040204" pitchFamily="50" charset="-128"/>
-              <a:ea typeface="Meiryo UI" panose="020B0604030504040204" pitchFamily="50" charset="-128"/>
-              <a:cs typeface="Meiryo UI" panose="020B0604030504040204" pitchFamily="50" charset="-128"/>
-            </a:endParaRPr>
           </a:p>
         </p:txBody>
       </p:sp>
@@ -6092,11 +6318,6 @@
               </a:rPr>
               <a:t>MySQL</a:t>
             </a:r>
-            <a:endParaRPr kumimoji="1" lang="en-US" altLang="ja-JP" sz="1200">
-              <a:latin typeface="Meiryo UI" panose="020B0604030504040204" pitchFamily="50" charset="-128"/>
-              <a:ea typeface="Meiryo UI" panose="020B0604030504040204" pitchFamily="50" charset="-128"/>
-              <a:cs typeface="Meiryo UI" panose="020B0604030504040204" pitchFamily="50" charset="-128"/>
-            </a:endParaRPr>
           </a:p>
           <a:p>
             <a:pPr algn="ctr"/>
@@ -6186,11 +6407,6 @@
               </a:rPr>
               <a:t>DB</a:t>
             </a:r>
-            <a:endParaRPr kumimoji="1" lang="en-US" altLang="ja-JP" sz="1400">
-              <a:latin typeface="Meiryo UI" panose="020B0604030504040204" pitchFamily="50" charset="-128"/>
-              <a:ea typeface="Meiryo UI" panose="020B0604030504040204" pitchFamily="50" charset="-128"/>
-              <a:cs typeface="Meiryo UI" panose="020B0604030504040204" pitchFamily="50" charset="-128"/>
-            </a:endParaRPr>
           </a:p>
         </p:txBody>
       </p:sp>
@@ -6277,7 +6493,7 @@
           <p:nvPr/>
         </p:nvPicPr>
         <p:blipFill>
-          <a:blip r:embed="rId2" cstate="screen"/>
+          <a:blip r:embed="rId3" cstate="screen"/>
           <a:srcRect/>
           <a:stretch>
             <a:fillRect/>
@@ -6347,11 +6563,6 @@
               </a:rPr>
               <a:t>开发者</a:t>
             </a:r>
-            <a:endParaRPr kumimoji="1" lang="zh-CN" altLang="ja-JP" sz="1200" dirty="0">
-              <a:latin typeface="Meiryo UI" panose="020B0604030504040204" pitchFamily="50" charset="-128"/>
-              <a:ea typeface="Meiryo UI" panose="020B0604030504040204" pitchFamily="50" charset="-128"/>
-              <a:cs typeface="Meiryo UI" panose="020B0604030504040204" pitchFamily="50" charset="-128"/>
-            </a:endParaRPr>
           </a:p>
         </p:txBody>
       </p:sp>
@@ -6364,7 +6575,7 @@
           <p:nvPr/>
         </p:nvPicPr>
         <p:blipFill>
-          <a:blip r:embed="rId3"/>
+          <a:blip r:embed="rId4"/>
           <a:stretch>
             <a:fillRect/>
           </a:stretch>
@@ -6410,6 +6621,7 @@
         </p:spPr>
         <p:txBody>
           <a:bodyPr wrap="none" lIns="90000" tIns="46800" rIns="90000" bIns="46800" anchor="ctr"/>
+          <a:lstStyle/>
           <a:p>
             <a:pPr algn="ctr"/>
             <a:r>
@@ -6459,6 +6671,7 @@
         </p:spPr>
         <p:txBody>
           <a:bodyPr wrap="none" lIns="90000" tIns="46800" rIns="90000" bIns="46800" anchor="ctr"/>
+          <a:lstStyle/>
           <a:p>
             <a:pPr algn="ctr"/>
             <a:r>
@@ -6525,100 +6738,1468 @@
           <a:lstStyle/>
           <a:p>
             <a:r>
-              <a:rPr lang="en-US" altLang="ja-JP"/>
-              <a:t>3. </a:t>
-            </a:r>
-            <a:r>
-              <a:rPr lang="zh-CN" altLang="en-US"/>
-              <a:t>要件</a:t>
-            </a:r>
-            <a:endParaRPr lang="zh-CN" altLang="en-US"/>
-          </a:p>
-        </p:txBody>
-      </p:sp>
-      <p:sp>
-        <p:nvSpPr>
-          <p:cNvPr id="5" name="テキスト プレースホルダー 4"/>
-          <p:cNvSpPr>
-            <a:spLocks noGrp="1"/>
-          </p:cNvSpPr>
-          <p:nvPr>
-            <p:ph type="body" sz="quarter" idx="10"/>
-          </p:nvPr>
+              <a:rPr lang="en-US" altLang="ja-JP" dirty="0"/>
+              <a:t>2. </a:t>
+            </a:r>
+            <a:r>
+              <a:rPr lang="zh-CN" altLang="en-US" dirty="0"/>
+              <a:t>环境构成</a:t>
+            </a:r>
+          </a:p>
+        </p:txBody>
+      </p:sp>
+      <p:grpSp>
+        <p:nvGrpSpPr>
+          <p:cNvPr id="10" name="Group 9"/>
+          <p:cNvGrpSpPr/>
+          <p:nvPr/>
+        </p:nvGrpSpPr>
+        <p:grpSpPr>
+          <a:xfrm>
+            <a:off x="948431" y="3259951"/>
+            <a:ext cx="640080" cy="864290"/>
+            <a:chOff x="1228772" y="3705942"/>
+            <a:chExt cx="640080" cy="864290"/>
+          </a:xfrm>
+        </p:grpSpPr>
+        <p:pic>
+          <p:nvPicPr>
+            <p:cNvPr id="62" name="Picture 43" descr="j0433942[1]"/>
+            <p:cNvPicPr>
+              <a:picLocks noChangeAspect="1" noChangeArrowheads="1"/>
+            </p:cNvPicPr>
+            <p:nvPr/>
+          </p:nvPicPr>
+          <p:blipFill>
+            <a:blip r:embed="rId2" cstate="screen"/>
+            <a:srcRect/>
+            <a:stretch>
+              <a:fillRect/>
+            </a:stretch>
+          </p:blipFill>
+          <p:spPr bwMode="auto">
+            <a:xfrm flipH="1">
+              <a:off x="1243523" y="3705942"/>
+              <a:ext cx="576000" cy="576000"/>
+            </a:xfrm>
+            <a:prstGeom prst="rect">
+              <a:avLst/>
+            </a:prstGeom>
+            <a:noFill/>
+            <a:ln>
+              <a:noFill/>
+            </a:ln>
+            <a:extLst>
+              <a:ext uri="{909E8E84-426E-40DD-AFC4-6F175D3DCCD1}">
+                <a14:hiddenFill xmlns:a14="http://schemas.microsoft.com/office/drawing/2010/main">
+                  <a:solidFill>
+                    <a:srgbClr val="FFFFFF"/>
+                  </a:solidFill>
+                </a14:hiddenFill>
+              </a:ext>
+              <a:ext uri="{91240B29-F687-4F45-9708-019B960494DF}">
+                <a14:hiddenLine xmlns:a14="http://schemas.microsoft.com/office/drawing/2010/main" w="9525">
+                  <a:solidFill>
+                    <a:srgbClr val="000000"/>
+                  </a:solidFill>
+                  <a:miter lim="800000"/>
+                  <a:headEnd/>
+                  <a:tailEnd/>
+                </a14:hiddenLine>
+              </a:ext>
+            </a:extLst>
+          </p:spPr>
+        </p:pic>
+        <p:sp>
+          <p:nvSpPr>
+            <p:cNvPr id="65" name="テキスト ボックス 64"/>
+            <p:cNvSpPr txBox="1"/>
+            <p:nvPr/>
+          </p:nvSpPr>
+          <p:spPr>
+            <a:xfrm>
+              <a:off x="1228772" y="4281942"/>
+              <a:ext cx="640080" cy="288290"/>
+            </a:xfrm>
+            <a:prstGeom prst="rect">
+              <a:avLst/>
+            </a:prstGeom>
+            <a:noFill/>
+          </p:spPr>
+          <p:txBody>
+            <a:bodyPr wrap="none" rtlCol="0">
+              <a:spAutoFit/>
+            </a:bodyPr>
+            <a:lstStyle/>
+            <a:p>
+              <a:pPr algn="ctr"/>
+              <a:r>
+                <a:rPr kumimoji="1" lang="zh-CN" altLang="ja-JP" sz="1200" dirty="0">
+                  <a:latin typeface="Meiryo UI" panose="020B0604030504040204" pitchFamily="50" charset="-128"/>
+                  <a:ea typeface="Meiryo UI" panose="020B0604030504040204" pitchFamily="50" charset="-128"/>
+                  <a:cs typeface="Meiryo UI" panose="020B0604030504040204" pitchFamily="50" charset="-128"/>
+                </a:rPr>
+                <a:t>开发者</a:t>
+              </a:r>
+            </a:p>
+          </p:txBody>
+        </p:sp>
+      </p:grpSp>
+      <p:sp>
+        <p:nvSpPr>
+          <p:cNvPr id="5" name="Rounded Rectangle 4"/>
+          <p:cNvSpPr/>
+          <p:nvPr/>
         </p:nvSpPr>
         <p:spPr>
           <a:xfrm>
-            <a:off x="662305" y="1005205"/>
-            <a:ext cx="10869295" cy="5227955"/>
-          </a:xfrm>
-        </p:spPr>
-        <p:txBody>
-          <a:bodyPr/>
-          <a:p>
-            <a:r>
-              <a:rPr kumimoji="1" lang="zh-CN" altLang="ja-JP"/>
-              <a:t>会员管理：</a:t>
-            </a:r>
-            <a:endParaRPr kumimoji="1" lang="zh-CN" altLang="ja-JP"/>
-          </a:p>
-          <a:p>
-            <a:r>
-              <a:rPr kumimoji="1" lang="zh-CN" altLang="ja-JP"/>
-              <a:t>地址管理，订单管理，支付管理</a:t>
-            </a:r>
-            <a:endParaRPr kumimoji="1" lang="zh-CN" altLang="ja-JP"/>
-          </a:p>
-          <a:p>
-            <a:r>
-              <a:rPr kumimoji="1" lang="zh-CN" altLang="ja-JP"/>
-              <a:t>会员信息，会员注册，会员登录</a:t>
-            </a:r>
-            <a:endParaRPr kumimoji="1" lang="zh-CN" altLang="ja-JP"/>
-          </a:p>
-          <a:p>
-            <a:r>
-              <a:rPr kumimoji="1" lang="zh-CN" altLang="ja-JP"/>
-              <a:t>购物车：购入一览</a:t>
-            </a:r>
-            <a:endParaRPr kumimoji="1" lang="zh-CN" altLang="ja-JP"/>
-          </a:p>
-          <a:p>
-            <a:r>
-              <a:rPr kumimoji="1" lang="en-US" altLang="zh-CN"/>
-              <a:t>shop</a:t>
-            </a:r>
-            <a:r>
-              <a:rPr kumimoji="1" lang="zh-CN" altLang="en-US"/>
-              <a:t>：产品一览，产品详细</a:t>
-            </a:r>
-            <a:endParaRPr kumimoji="1" lang="zh-CN" altLang="en-US"/>
-          </a:p>
-          <a:p>
-            <a:endParaRPr kumimoji="1" lang="zh-CN" altLang="en-US"/>
-          </a:p>
-          <a:p>
-            <a:r>
-              <a:rPr kumimoji="1" lang="zh-CN" altLang="en-US"/>
-              <a:t>管理员：产品登录，库存管理</a:t>
-            </a:r>
-            <a:endParaRPr kumimoji="1" lang="zh-CN" altLang="en-US"/>
-          </a:p>
-          <a:p>
-            <a:r>
-              <a:rPr kumimoji="1" lang="zh-CN" altLang="en-US"/>
-              <a:t>配送管理，商品查询</a:t>
-            </a:r>
-            <a:endParaRPr kumimoji="1" lang="zh-CN" altLang="en-US"/>
-          </a:p>
-          <a:p>
-            <a:endParaRPr kumimoji="1" lang="zh-CN" altLang="en-US"/>
-          </a:p>
-          <a:p>
-            <a:endParaRPr kumimoji="1" lang="zh-CN" altLang="en-US"/>
-          </a:p>
-        </p:txBody>
-      </p:sp>
+            <a:off x="2911650" y="3156652"/>
+            <a:ext cx="1128584" cy="782595"/>
+          </a:xfrm>
+          <a:prstGeom prst="roundRect">
+            <a:avLst/>
+          </a:prstGeom>
+        </p:spPr>
+        <p:style>
+          <a:lnRef idx="2">
+            <a:schemeClr val="accent1">
+              <a:shade val="50000"/>
+            </a:schemeClr>
+          </a:lnRef>
+          <a:fillRef idx="1">
+            <a:schemeClr val="accent1"/>
+          </a:fillRef>
+          <a:effectRef idx="0">
+            <a:schemeClr val="accent1"/>
+          </a:effectRef>
+          <a:fontRef idx="minor">
+            <a:schemeClr val="lt1"/>
+          </a:fontRef>
+        </p:style>
+        <p:txBody>
+          <a:bodyPr rtlCol="0" anchor="ctr"/>
+          <a:lstStyle/>
+          <a:p>
+            <a:pPr algn="ctr"/>
+            <a:r>
+              <a:rPr lang="en-US" altLang="zh-CN" dirty="0" err="1" smtClean="0"/>
+              <a:t>Zuul</a:t>
+            </a:r>
+            <a:endParaRPr lang="en-US" altLang="zh-CN" dirty="0" smtClean="0"/>
+          </a:p>
+          <a:p>
+            <a:pPr algn="ctr"/>
+            <a:r>
+              <a:rPr lang="en-US" altLang="zh-CN" dirty="0"/>
+              <a:t>Server</a:t>
+            </a:r>
+            <a:endParaRPr lang="en-US" dirty="0"/>
+          </a:p>
+        </p:txBody>
+      </p:sp>
+      <p:sp>
+        <p:nvSpPr>
+          <p:cNvPr id="24" name="Flowchart: Connector 23"/>
+          <p:cNvSpPr/>
+          <p:nvPr/>
+        </p:nvSpPr>
+        <p:spPr>
+          <a:xfrm>
+            <a:off x="7467630" y="4610748"/>
+            <a:ext cx="790924" cy="765823"/>
+          </a:xfrm>
+          <a:prstGeom prst="flowChartConnector">
+            <a:avLst/>
+          </a:prstGeom>
+          <a:solidFill>
+            <a:srgbClr val="92D050"/>
+          </a:solidFill>
+          <a:ln/>
+        </p:spPr>
+        <p:style>
+          <a:lnRef idx="1">
+            <a:schemeClr val="accent3"/>
+          </a:lnRef>
+          <a:fillRef idx="3">
+            <a:schemeClr val="accent3"/>
+          </a:fillRef>
+          <a:effectRef idx="2">
+            <a:schemeClr val="accent3"/>
+          </a:effectRef>
+          <a:fontRef idx="minor">
+            <a:schemeClr val="lt1"/>
+          </a:fontRef>
+        </p:style>
+        <p:txBody>
+          <a:bodyPr rtlCol="0" anchor="ctr"/>
+          <a:lstStyle/>
+          <a:p>
+            <a:pPr algn="ctr"/>
+            <a:r>
+              <a:rPr kumimoji="1" lang="en-US" altLang="zh-CN" sz="1000" dirty="0" smtClean="0">
+                <a:latin typeface="Meiryo UI" panose="020B0604030504040204" pitchFamily="50" charset="-128"/>
+                <a:ea typeface="Meiryo UI" panose="020B0604030504040204" pitchFamily="50" charset="-128"/>
+                <a:cs typeface="Meiryo UI" panose="020B0604030504040204" pitchFamily="50" charset="-128"/>
+              </a:rPr>
+              <a:t>Feign</a:t>
+            </a:r>
+            <a:endParaRPr kumimoji="1" lang="en-US" sz="1000" dirty="0">
+              <a:latin typeface="Meiryo UI" panose="020B0604030504040204" pitchFamily="50" charset="-128"/>
+              <a:ea typeface="Meiryo UI" panose="020B0604030504040204" pitchFamily="50" charset="-128"/>
+              <a:cs typeface="Meiryo UI" panose="020B0604030504040204" pitchFamily="50" charset="-128"/>
+            </a:endParaRPr>
+          </a:p>
+        </p:txBody>
+      </p:sp>
+      <p:sp>
+        <p:nvSpPr>
+          <p:cNvPr id="25" name="Flowchart: Alternate Process 24"/>
+          <p:cNvSpPr/>
+          <p:nvPr/>
+        </p:nvSpPr>
+        <p:spPr>
+          <a:xfrm>
+            <a:off x="8802346" y="3097964"/>
+            <a:ext cx="648000" cy="648072"/>
+          </a:xfrm>
+          <a:prstGeom prst="flowChartAlternateProcess">
+            <a:avLst/>
+          </a:prstGeom>
+          <a:ln/>
+        </p:spPr>
+        <p:style>
+          <a:lnRef idx="1">
+            <a:schemeClr val="accent3"/>
+          </a:lnRef>
+          <a:fillRef idx="3">
+            <a:schemeClr val="accent3"/>
+          </a:fillRef>
+          <a:effectRef idx="2">
+            <a:schemeClr val="accent3"/>
+          </a:effectRef>
+          <a:fontRef idx="minor">
+            <a:schemeClr val="lt1"/>
+          </a:fontRef>
+        </p:style>
+        <p:txBody>
+          <a:bodyPr rtlCol="0" anchor="ctr"/>
+          <a:lstStyle/>
+          <a:p>
+            <a:pPr algn="ctr"/>
+            <a:r>
+              <a:rPr kumimoji="1" lang="zh-CN" altLang="en-US" sz="1000" dirty="0" smtClean="0">
+                <a:latin typeface="Meiryo UI" panose="020B0604030504040204" pitchFamily="50" charset="-128"/>
+                <a:ea typeface="Meiryo UI" panose="020B0604030504040204" pitchFamily="50" charset="-128"/>
+                <a:cs typeface="Meiryo UI" panose="020B0604030504040204" pitchFamily="50" charset="-128"/>
+              </a:rPr>
+              <a:t>服务</a:t>
+            </a:r>
+            <a:r>
+              <a:rPr kumimoji="1" lang="en-US" altLang="zh-CN" sz="1000" dirty="0" smtClean="0">
+                <a:latin typeface="Meiryo UI" panose="020B0604030504040204" pitchFamily="50" charset="-128"/>
+                <a:ea typeface="Meiryo UI" panose="020B0604030504040204" pitchFamily="50" charset="-128"/>
+                <a:cs typeface="Meiryo UI" panose="020B0604030504040204" pitchFamily="50" charset="-128"/>
+              </a:rPr>
+              <a:t>A</a:t>
+            </a:r>
+            <a:endParaRPr kumimoji="1" lang="en-US" sz="1000" dirty="0">
+              <a:latin typeface="Meiryo UI" panose="020B0604030504040204" pitchFamily="50" charset="-128"/>
+              <a:ea typeface="Meiryo UI" panose="020B0604030504040204" pitchFamily="50" charset="-128"/>
+              <a:cs typeface="Meiryo UI" panose="020B0604030504040204" pitchFamily="50" charset="-128"/>
+            </a:endParaRPr>
+          </a:p>
+        </p:txBody>
+      </p:sp>
+      <p:sp>
+        <p:nvSpPr>
+          <p:cNvPr id="27" name="Flowchart: Alternate Process 26"/>
+          <p:cNvSpPr/>
+          <p:nvPr/>
+        </p:nvSpPr>
+        <p:spPr>
+          <a:xfrm>
+            <a:off x="6411944" y="3167875"/>
+            <a:ext cx="648000" cy="648072"/>
+          </a:xfrm>
+          <a:prstGeom prst="flowChartAlternateProcess">
+            <a:avLst/>
+          </a:prstGeom>
+          <a:ln/>
+        </p:spPr>
+        <p:style>
+          <a:lnRef idx="1">
+            <a:schemeClr val="accent3"/>
+          </a:lnRef>
+          <a:fillRef idx="3">
+            <a:schemeClr val="accent3"/>
+          </a:fillRef>
+          <a:effectRef idx="2">
+            <a:schemeClr val="accent3"/>
+          </a:effectRef>
+          <a:fontRef idx="minor">
+            <a:schemeClr val="lt1"/>
+          </a:fontRef>
+        </p:style>
+        <p:txBody>
+          <a:bodyPr rtlCol="0" anchor="ctr"/>
+          <a:lstStyle/>
+          <a:p>
+            <a:pPr algn="ctr"/>
+            <a:r>
+              <a:rPr kumimoji="1" lang="zh-CN" altLang="en-US" sz="1000" dirty="0" smtClean="0">
+                <a:latin typeface="Meiryo UI" panose="020B0604030504040204" pitchFamily="50" charset="-128"/>
+                <a:ea typeface="Meiryo UI" panose="020B0604030504040204" pitchFamily="50" charset="-128"/>
+                <a:cs typeface="Meiryo UI" panose="020B0604030504040204" pitchFamily="50" charset="-128"/>
+              </a:rPr>
+              <a:t>服务</a:t>
+            </a:r>
+            <a:r>
+              <a:rPr kumimoji="1" lang="en-US" altLang="zh-CN" sz="1000" dirty="0" smtClean="0">
+                <a:latin typeface="Meiryo UI" panose="020B0604030504040204" pitchFamily="50" charset="-128"/>
+                <a:ea typeface="Meiryo UI" panose="020B0604030504040204" pitchFamily="50" charset="-128"/>
+                <a:cs typeface="Meiryo UI" panose="020B0604030504040204" pitchFamily="50" charset="-128"/>
+              </a:rPr>
+              <a:t>B</a:t>
+            </a:r>
+            <a:endParaRPr kumimoji="1" lang="en-US" sz="1000" dirty="0">
+              <a:latin typeface="Meiryo UI" panose="020B0604030504040204" pitchFamily="50" charset="-128"/>
+              <a:ea typeface="Meiryo UI" panose="020B0604030504040204" pitchFamily="50" charset="-128"/>
+              <a:cs typeface="Meiryo UI" panose="020B0604030504040204" pitchFamily="50" charset="-128"/>
+            </a:endParaRPr>
+          </a:p>
+        </p:txBody>
+      </p:sp>
+      <p:sp>
+        <p:nvSpPr>
+          <p:cNvPr id="29" name="Flowchart: Magnetic Disk 28"/>
+          <p:cNvSpPr/>
+          <p:nvPr/>
+        </p:nvSpPr>
+        <p:spPr>
+          <a:xfrm>
+            <a:off x="8071375" y="1566115"/>
+            <a:ext cx="648000" cy="648000"/>
+          </a:xfrm>
+          <a:prstGeom prst="flowChartMagneticDisk">
+            <a:avLst/>
+          </a:prstGeom>
+          <a:solidFill>
+            <a:schemeClr val="tx2">
+              <a:lumMod val="60000"/>
+              <a:lumOff val="40000"/>
+            </a:schemeClr>
+          </a:solidFill>
+          <a:ln>
+            <a:solidFill>
+              <a:schemeClr val="tx1"/>
+            </a:solidFill>
+          </a:ln>
+        </p:spPr>
+        <p:style>
+          <a:lnRef idx="1">
+            <a:schemeClr val="accent3"/>
+          </a:lnRef>
+          <a:fillRef idx="3">
+            <a:schemeClr val="accent3"/>
+          </a:fillRef>
+          <a:effectRef idx="2">
+            <a:schemeClr val="accent3"/>
+          </a:effectRef>
+          <a:fontRef idx="minor">
+            <a:schemeClr val="lt1"/>
+          </a:fontRef>
+        </p:style>
+        <p:txBody>
+          <a:bodyPr rtlCol="0" anchor="ctr"/>
+          <a:lstStyle/>
+          <a:p>
+            <a:pPr algn="ctr"/>
+            <a:r>
+              <a:rPr kumimoji="1" lang="en-US" sz="3200" dirty="0">
+                <a:latin typeface="Meiryo UI" panose="020B0604030504040204" pitchFamily="50" charset="-128"/>
+                <a:ea typeface="Meiryo UI" panose="020B0604030504040204" pitchFamily="50" charset="-128"/>
+                <a:cs typeface="Meiryo UI" panose="020B0604030504040204" pitchFamily="50" charset="-128"/>
+              </a:rPr>
+              <a:t>M</a:t>
+            </a:r>
+          </a:p>
+        </p:txBody>
+      </p:sp>
+      <p:cxnSp>
+        <p:nvCxnSpPr>
+          <p:cNvPr id="12" name="Straight Arrow Connector 11"/>
+          <p:cNvCxnSpPr>
+            <a:stCxn id="62" idx="1"/>
+            <a:endCxn id="5" idx="1"/>
+          </p:cNvCxnSpPr>
+          <p:nvPr/>
+        </p:nvCxnSpPr>
+        <p:spPr>
+          <a:xfrm flipV="1">
+            <a:off x="1539182" y="3547950"/>
+            <a:ext cx="1372468" cy="1"/>
+          </a:xfrm>
+          <a:prstGeom prst="straightConnector1">
+            <a:avLst/>
+          </a:prstGeom>
+          <a:ln w="25400">
+            <a:solidFill>
+              <a:srgbClr val="FF0000"/>
+            </a:solidFill>
+            <a:tailEnd type="triangle"/>
+          </a:ln>
+        </p:spPr>
+        <p:style>
+          <a:lnRef idx="1">
+            <a:schemeClr val="accent1"/>
+          </a:lnRef>
+          <a:fillRef idx="0">
+            <a:schemeClr val="accent1"/>
+          </a:fillRef>
+          <a:effectRef idx="0">
+            <a:schemeClr val="accent1"/>
+          </a:effectRef>
+          <a:fontRef idx="minor">
+            <a:schemeClr val="tx1"/>
+          </a:fontRef>
+        </p:style>
+      </p:cxnSp>
+      <p:sp>
+        <p:nvSpPr>
+          <p:cNvPr id="18" name="TextBox 17"/>
+          <p:cNvSpPr txBox="1"/>
+          <p:nvPr/>
+        </p:nvSpPr>
+        <p:spPr>
+          <a:xfrm>
+            <a:off x="1795594" y="2913298"/>
+            <a:ext cx="1153298" cy="369332"/>
+          </a:xfrm>
+          <a:prstGeom prst="rect">
+            <a:avLst/>
+          </a:prstGeom>
+          <a:noFill/>
+        </p:spPr>
+        <p:txBody>
+          <a:bodyPr wrap="square" rtlCol="0">
+            <a:spAutoFit/>
+          </a:bodyPr>
+          <a:lstStyle/>
+          <a:p>
+            <a:r>
+              <a:rPr lang="en-US" altLang="zh-CN" dirty="0" smtClean="0"/>
+              <a:t>request</a:t>
+            </a:r>
+            <a:endParaRPr lang="en-US" dirty="0"/>
+          </a:p>
+        </p:txBody>
+      </p:sp>
+      <p:sp>
+        <p:nvSpPr>
+          <p:cNvPr id="19" name="Line Callout 2 18"/>
+          <p:cNvSpPr/>
+          <p:nvPr/>
+        </p:nvSpPr>
+        <p:spPr>
+          <a:xfrm>
+            <a:off x="948431" y="4700241"/>
+            <a:ext cx="1324958" cy="774975"/>
+          </a:xfrm>
+          <a:prstGeom prst="borderCallout2">
+            <a:avLst>
+              <a:gd name="adj1" fmla="val -12077"/>
+              <a:gd name="adj2" fmla="val 61369"/>
+              <a:gd name="adj3" fmla="val -36525"/>
+              <a:gd name="adj4" fmla="val 61748"/>
+              <a:gd name="adj5" fmla="val -123482"/>
+              <a:gd name="adj6" fmla="val 143265"/>
+            </a:avLst>
+          </a:prstGeom>
+        </p:spPr>
+        <p:style>
+          <a:lnRef idx="2">
+            <a:schemeClr val="accent1">
+              <a:shade val="50000"/>
+            </a:schemeClr>
+          </a:lnRef>
+          <a:fillRef idx="1">
+            <a:schemeClr val="accent1"/>
+          </a:fillRef>
+          <a:effectRef idx="0">
+            <a:schemeClr val="accent1"/>
+          </a:effectRef>
+          <a:fontRef idx="minor">
+            <a:schemeClr val="lt1"/>
+          </a:fontRef>
+        </p:style>
+        <p:txBody>
+          <a:bodyPr rtlCol="0" anchor="ctr"/>
+          <a:lstStyle/>
+          <a:p>
+            <a:pPr algn="ctr"/>
+            <a:r>
+              <a:rPr lang="zh-CN" altLang="en-US" sz="1100" dirty="0" smtClean="0"/>
+              <a:t>通过一个可见端口访问服务，但是服务的结构对其不可见。</a:t>
+            </a:r>
+            <a:endParaRPr lang="en-US" sz="1100" dirty="0"/>
+          </a:p>
+        </p:txBody>
+      </p:sp>
+      <p:pic>
+        <p:nvPicPr>
+          <p:cNvPr id="34" name="Picture 33"/>
+          <p:cNvPicPr>
+            <a:picLocks noChangeAspect="1"/>
+          </p:cNvPicPr>
+          <p:nvPr/>
+        </p:nvPicPr>
+        <p:blipFill>
+          <a:blip r:embed="rId3"/>
+          <a:stretch>
+            <a:fillRect/>
+          </a:stretch>
+        </p:blipFill>
+        <p:spPr>
+          <a:xfrm>
+            <a:off x="5466658" y="1936959"/>
+            <a:ext cx="752475" cy="619125"/>
+          </a:xfrm>
+          <a:prstGeom prst="rect">
+            <a:avLst/>
+          </a:prstGeom>
+        </p:spPr>
+      </p:pic>
+      <p:pic>
+        <p:nvPicPr>
+          <p:cNvPr id="35" name="Picture 34"/>
+          <p:cNvPicPr>
+            <a:picLocks noChangeAspect="1"/>
+          </p:cNvPicPr>
+          <p:nvPr/>
+        </p:nvPicPr>
+        <p:blipFill>
+          <a:blip r:embed="rId4"/>
+          <a:stretch>
+            <a:fillRect/>
+          </a:stretch>
+        </p:blipFill>
+        <p:spPr>
+          <a:xfrm>
+            <a:off x="4765023" y="1297326"/>
+            <a:ext cx="723900" cy="257175"/>
+          </a:xfrm>
+          <a:prstGeom prst="rect">
+            <a:avLst/>
+          </a:prstGeom>
+        </p:spPr>
+      </p:pic>
+      <p:pic>
+        <p:nvPicPr>
+          <p:cNvPr id="37" name="Picture 36"/>
+          <p:cNvPicPr>
+            <a:picLocks noChangeAspect="1"/>
+          </p:cNvPicPr>
+          <p:nvPr/>
+        </p:nvPicPr>
+        <p:blipFill>
+          <a:blip r:embed="rId4"/>
+          <a:stretch>
+            <a:fillRect/>
+          </a:stretch>
+        </p:blipFill>
+        <p:spPr>
+          <a:xfrm>
+            <a:off x="6469237" y="1297326"/>
+            <a:ext cx="723900" cy="257175"/>
+          </a:xfrm>
+          <a:prstGeom prst="rect">
+            <a:avLst/>
+          </a:prstGeom>
+        </p:spPr>
+      </p:pic>
+      <p:sp>
+        <p:nvSpPr>
+          <p:cNvPr id="39" name="TextBox 38"/>
+          <p:cNvSpPr txBox="1"/>
+          <p:nvPr/>
+        </p:nvSpPr>
+        <p:spPr>
+          <a:xfrm>
+            <a:off x="2911650" y="3980096"/>
+            <a:ext cx="1128584" cy="830997"/>
+          </a:xfrm>
+          <a:prstGeom prst="rect">
+            <a:avLst/>
+          </a:prstGeom>
+          <a:noFill/>
+        </p:spPr>
+        <p:txBody>
+          <a:bodyPr wrap="square" rtlCol="0">
+            <a:spAutoFit/>
+          </a:bodyPr>
+          <a:lstStyle/>
+          <a:p>
+            <a:r>
+              <a:rPr lang="zh-CN" altLang="en-US" sz="1200" dirty="0" smtClean="0"/>
+              <a:t>类似一个网关提供一个供外部调用的统一入口</a:t>
+            </a:r>
+            <a:endParaRPr lang="en-US" sz="1200" dirty="0"/>
+          </a:p>
+        </p:txBody>
+      </p:sp>
+      <p:cxnSp>
+        <p:nvCxnSpPr>
+          <p:cNvPr id="44" name="Straight Arrow Connector 43"/>
+          <p:cNvCxnSpPr>
+            <a:stCxn id="5" idx="3"/>
+            <a:endCxn id="34" idx="1"/>
+          </p:cNvCxnSpPr>
+          <p:nvPr/>
+        </p:nvCxnSpPr>
+        <p:spPr>
+          <a:xfrm flipV="1">
+            <a:off x="4040234" y="2246522"/>
+            <a:ext cx="1426424" cy="1301428"/>
+          </a:xfrm>
+          <a:prstGeom prst="straightConnector1">
+            <a:avLst/>
+          </a:prstGeom>
+          <a:ln w="25400">
+            <a:solidFill>
+              <a:srgbClr val="0070C0"/>
+            </a:solidFill>
+            <a:tailEnd type="triangle"/>
+          </a:ln>
+        </p:spPr>
+        <p:style>
+          <a:lnRef idx="1">
+            <a:schemeClr val="accent1"/>
+          </a:lnRef>
+          <a:fillRef idx="0">
+            <a:schemeClr val="accent1"/>
+          </a:fillRef>
+          <a:effectRef idx="0">
+            <a:schemeClr val="accent1"/>
+          </a:effectRef>
+          <a:fontRef idx="minor">
+            <a:schemeClr val="tx1"/>
+          </a:fontRef>
+        </p:style>
+      </p:cxnSp>
+      <p:sp>
+        <p:nvSpPr>
+          <p:cNvPr id="45" name="TextBox 44"/>
+          <p:cNvSpPr txBox="1"/>
+          <p:nvPr/>
+        </p:nvSpPr>
+        <p:spPr>
+          <a:xfrm>
+            <a:off x="4569908" y="1058650"/>
+            <a:ext cx="1077421" cy="261610"/>
+          </a:xfrm>
+          <a:prstGeom prst="rect">
+            <a:avLst/>
+          </a:prstGeom>
+          <a:noFill/>
+        </p:spPr>
+        <p:txBody>
+          <a:bodyPr wrap="square" rtlCol="0">
+            <a:spAutoFit/>
+          </a:bodyPr>
+          <a:lstStyle/>
+          <a:p>
+            <a:r>
+              <a:rPr lang="en-US" sz="1100" dirty="0" smtClean="0"/>
+              <a:t>Eureka Server1</a:t>
+            </a:r>
+            <a:endParaRPr lang="en-US" sz="1100" dirty="0"/>
+          </a:p>
+        </p:txBody>
+      </p:sp>
+      <p:sp>
+        <p:nvSpPr>
+          <p:cNvPr id="48" name="TextBox 47"/>
+          <p:cNvSpPr txBox="1"/>
+          <p:nvPr/>
+        </p:nvSpPr>
+        <p:spPr>
+          <a:xfrm>
+            <a:off x="6292476" y="1069087"/>
+            <a:ext cx="1077421" cy="261610"/>
+          </a:xfrm>
+          <a:prstGeom prst="rect">
+            <a:avLst/>
+          </a:prstGeom>
+          <a:noFill/>
+        </p:spPr>
+        <p:txBody>
+          <a:bodyPr wrap="square" rtlCol="0">
+            <a:spAutoFit/>
+          </a:bodyPr>
+          <a:lstStyle/>
+          <a:p>
+            <a:r>
+              <a:rPr lang="en-US" sz="1100" dirty="0" smtClean="0"/>
+              <a:t>Eureka Server2</a:t>
+            </a:r>
+            <a:endParaRPr lang="en-US" sz="1100" dirty="0"/>
+          </a:p>
+        </p:txBody>
+      </p:sp>
+      <p:cxnSp>
+        <p:nvCxnSpPr>
+          <p:cNvPr id="47" name="Straight Arrow Connector 46"/>
+          <p:cNvCxnSpPr>
+            <a:stCxn id="37" idx="2"/>
+            <a:endCxn id="34" idx="3"/>
+          </p:cNvCxnSpPr>
+          <p:nvPr/>
+        </p:nvCxnSpPr>
+        <p:spPr>
+          <a:xfrm flipH="1">
+            <a:off x="6219133" y="1554501"/>
+            <a:ext cx="612054" cy="692021"/>
+          </a:xfrm>
+          <a:prstGeom prst="straightConnector1">
+            <a:avLst/>
+          </a:prstGeom>
+          <a:ln>
+            <a:headEnd type="triangle"/>
+            <a:tailEnd type="triangle"/>
+          </a:ln>
+        </p:spPr>
+        <p:style>
+          <a:lnRef idx="1">
+            <a:schemeClr val="accent1"/>
+          </a:lnRef>
+          <a:fillRef idx="0">
+            <a:schemeClr val="accent1"/>
+          </a:fillRef>
+          <a:effectRef idx="0">
+            <a:schemeClr val="accent1"/>
+          </a:effectRef>
+          <a:fontRef idx="minor">
+            <a:schemeClr val="tx1"/>
+          </a:fontRef>
+        </p:style>
+      </p:cxnSp>
+      <p:cxnSp>
+        <p:nvCxnSpPr>
+          <p:cNvPr id="52" name="Straight Arrow Connector 51"/>
+          <p:cNvCxnSpPr>
+            <a:stCxn id="37" idx="1"/>
+            <a:endCxn id="35" idx="3"/>
+          </p:cNvCxnSpPr>
+          <p:nvPr/>
+        </p:nvCxnSpPr>
+        <p:spPr>
+          <a:xfrm flipH="1">
+            <a:off x="5488923" y="1425914"/>
+            <a:ext cx="980314" cy="0"/>
+          </a:xfrm>
+          <a:prstGeom prst="straightConnector1">
+            <a:avLst/>
+          </a:prstGeom>
+          <a:ln>
+            <a:headEnd type="triangle"/>
+            <a:tailEnd type="triangle"/>
+          </a:ln>
+        </p:spPr>
+        <p:style>
+          <a:lnRef idx="1">
+            <a:schemeClr val="accent1"/>
+          </a:lnRef>
+          <a:fillRef idx="0">
+            <a:schemeClr val="accent1"/>
+          </a:fillRef>
+          <a:effectRef idx="0">
+            <a:schemeClr val="accent1"/>
+          </a:effectRef>
+          <a:fontRef idx="minor">
+            <a:schemeClr val="tx1"/>
+          </a:fontRef>
+        </p:style>
+      </p:cxnSp>
+      <p:sp>
+        <p:nvSpPr>
+          <p:cNvPr id="56" name="TextBox 55"/>
+          <p:cNvSpPr txBox="1"/>
+          <p:nvPr/>
+        </p:nvSpPr>
+        <p:spPr>
+          <a:xfrm>
+            <a:off x="5185542" y="2637819"/>
+            <a:ext cx="1128584" cy="461665"/>
+          </a:xfrm>
+          <a:prstGeom prst="rect">
+            <a:avLst/>
+          </a:prstGeom>
+          <a:noFill/>
+        </p:spPr>
+        <p:txBody>
+          <a:bodyPr wrap="square" rtlCol="0">
+            <a:spAutoFit/>
+          </a:bodyPr>
+          <a:lstStyle/>
+          <a:p>
+            <a:r>
+              <a:rPr lang="en-US" altLang="zh-CN" sz="1200" dirty="0" smtClean="0"/>
+              <a:t>Eureka</a:t>
+            </a:r>
+            <a:r>
+              <a:rPr lang="zh-CN" altLang="en-US" sz="1200" dirty="0" smtClean="0"/>
+              <a:t>服务注册管理的集群</a:t>
+            </a:r>
+            <a:endParaRPr lang="en-US" sz="1200" dirty="0"/>
+          </a:p>
+        </p:txBody>
+      </p:sp>
+      <p:cxnSp>
+        <p:nvCxnSpPr>
+          <p:cNvPr id="57" name="Straight Arrow Connector 56"/>
+          <p:cNvCxnSpPr>
+            <a:stCxn id="24" idx="0"/>
+            <a:endCxn id="25" idx="1"/>
+          </p:cNvCxnSpPr>
+          <p:nvPr/>
+        </p:nvCxnSpPr>
+        <p:spPr>
+          <a:xfrm flipV="1">
+            <a:off x="7863092" y="3422000"/>
+            <a:ext cx="939254" cy="1188748"/>
+          </a:xfrm>
+          <a:prstGeom prst="straightConnector1">
+            <a:avLst/>
+          </a:prstGeom>
+          <a:ln w="25400">
+            <a:solidFill>
+              <a:srgbClr val="FF0000"/>
+            </a:solidFill>
+            <a:tailEnd type="triangle"/>
+          </a:ln>
+        </p:spPr>
+        <p:style>
+          <a:lnRef idx="1">
+            <a:schemeClr val="accent1"/>
+          </a:lnRef>
+          <a:fillRef idx="0">
+            <a:schemeClr val="accent1"/>
+          </a:fillRef>
+          <a:effectRef idx="0">
+            <a:schemeClr val="accent1"/>
+          </a:effectRef>
+          <a:fontRef idx="minor">
+            <a:schemeClr val="tx1"/>
+          </a:fontRef>
+        </p:style>
+      </p:cxnSp>
+      <p:cxnSp>
+        <p:nvCxnSpPr>
+          <p:cNvPr id="60" name="Straight Arrow Connector 59"/>
+          <p:cNvCxnSpPr>
+            <a:stCxn id="24" idx="2"/>
+            <a:endCxn id="27" idx="2"/>
+          </p:cNvCxnSpPr>
+          <p:nvPr/>
+        </p:nvCxnSpPr>
+        <p:spPr>
+          <a:xfrm flipH="1" flipV="1">
+            <a:off x="6735944" y="3815947"/>
+            <a:ext cx="731686" cy="1177713"/>
+          </a:xfrm>
+          <a:prstGeom prst="straightConnector1">
+            <a:avLst/>
+          </a:prstGeom>
+          <a:ln w="25400">
+            <a:solidFill>
+              <a:srgbClr val="FF0000"/>
+            </a:solidFill>
+            <a:tailEnd type="triangle"/>
+          </a:ln>
+        </p:spPr>
+        <p:style>
+          <a:lnRef idx="1">
+            <a:schemeClr val="accent1"/>
+          </a:lnRef>
+          <a:fillRef idx="0">
+            <a:schemeClr val="accent1"/>
+          </a:fillRef>
+          <a:effectRef idx="0">
+            <a:schemeClr val="accent1"/>
+          </a:effectRef>
+          <a:fontRef idx="minor">
+            <a:schemeClr val="tx1"/>
+          </a:fontRef>
+        </p:style>
+      </p:cxnSp>
+      <p:cxnSp>
+        <p:nvCxnSpPr>
+          <p:cNvPr id="63" name="Straight Arrow Connector 62"/>
+          <p:cNvCxnSpPr>
+            <a:stCxn id="25" idx="2"/>
+            <a:endCxn id="24" idx="7"/>
+          </p:cNvCxnSpPr>
+          <p:nvPr/>
+        </p:nvCxnSpPr>
+        <p:spPr>
+          <a:xfrm flipH="1">
+            <a:off x="8142726" y="3746036"/>
+            <a:ext cx="983620" cy="976864"/>
+          </a:xfrm>
+          <a:prstGeom prst="straightConnector1">
+            <a:avLst/>
+          </a:prstGeom>
+          <a:ln w="25400">
+            <a:solidFill>
+              <a:srgbClr val="FF0000"/>
+            </a:solidFill>
+            <a:tailEnd type="triangle"/>
+          </a:ln>
+        </p:spPr>
+        <p:style>
+          <a:lnRef idx="1">
+            <a:schemeClr val="accent1"/>
+          </a:lnRef>
+          <a:fillRef idx="0">
+            <a:schemeClr val="accent1"/>
+          </a:fillRef>
+          <a:effectRef idx="0">
+            <a:schemeClr val="accent1"/>
+          </a:effectRef>
+          <a:fontRef idx="minor">
+            <a:schemeClr val="tx1"/>
+          </a:fontRef>
+        </p:style>
+      </p:cxnSp>
+      <p:cxnSp>
+        <p:nvCxnSpPr>
+          <p:cNvPr id="67" name="Straight Arrow Connector 66"/>
+          <p:cNvCxnSpPr>
+            <a:stCxn id="27" idx="3"/>
+            <a:endCxn id="24" idx="1"/>
+          </p:cNvCxnSpPr>
+          <p:nvPr/>
+        </p:nvCxnSpPr>
+        <p:spPr>
+          <a:xfrm>
+            <a:off x="7059944" y="3491911"/>
+            <a:ext cx="523514" cy="1230989"/>
+          </a:xfrm>
+          <a:prstGeom prst="straightConnector1">
+            <a:avLst/>
+          </a:prstGeom>
+          <a:ln w="25400">
+            <a:solidFill>
+              <a:srgbClr val="FF0000"/>
+            </a:solidFill>
+            <a:tailEnd type="triangle"/>
+          </a:ln>
+        </p:spPr>
+        <p:style>
+          <a:lnRef idx="1">
+            <a:schemeClr val="accent1"/>
+          </a:lnRef>
+          <a:fillRef idx="0">
+            <a:schemeClr val="accent1"/>
+          </a:fillRef>
+          <a:effectRef idx="0">
+            <a:schemeClr val="accent1"/>
+          </a:effectRef>
+          <a:fontRef idx="minor">
+            <a:schemeClr val="tx1"/>
+          </a:fontRef>
+        </p:style>
+      </p:cxnSp>
+      <p:cxnSp>
+        <p:nvCxnSpPr>
+          <p:cNvPr id="76" name="Straight Arrow Connector 75"/>
+          <p:cNvCxnSpPr>
+            <a:stCxn id="25" idx="0"/>
+            <a:endCxn id="34" idx="3"/>
+          </p:cNvCxnSpPr>
+          <p:nvPr/>
+        </p:nvCxnSpPr>
+        <p:spPr>
+          <a:xfrm flipH="1" flipV="1">
+            <a:off x="6219133" y="2246522"/>
+            <a:ext cx="2907213" cy="851442"/>
+          </a:xfrm>
+          <a:prstGeom prst="straightConnector1">
+            <a:avLst/>
+          </a:prstGeom>
+          <a:ln w="25400">
+            <a:solidFill>
+              <a:srgbClr val="0070C0"/>
+            </a:solidFill>
+            <a:tailEnd type="triangle"/>
+          </a:ln>
+        </p:spPr>
+        <p:style>
+          <a:lnRef idx="1">
+            <a:schemeClr val="accent1"/>
+          </a:lnRef>
+          <a:fillRef idx="0">
+            <a:schemeClr val="accent1"/>
+          </a:fillRef>
+          <a:effectRef idx="0">
+            <a:schemeClr val="accent1"/>
+          </a:effectRef>
+          <a:fontRef idx="minor">
+            <a:schemeClr val="tx1"/>
+          </a:fontRef>
+        </p:style>
+      </p:cxnSp>
+      <p:cxnSp>
+        <p:nvCxnSpPr>
+          <p:cNvPr id="79" name="Straight Arrow Connector 78"/>
+          <p:cNvCxnSpPr>
+            <a:stCxn id="27" idx="1"/>
+            <a:endCxn id="34" idx="3"/>
+          </p:cNvCxnSpPr>
+          <p:nvPr/>
+        </p:nvCxnSpPr>
+        <p:spPr>
+          <a:xfrm flipH="1" flipV="1">
+            <a:off x="6219133" y="2246522"/>
+            <a:ext cx="192811" cy="1245389"/>
+          </a:xfrm>
+          <a:prstGeom prst="straightConnector1">
+            <a:avLst/>
+          </a:prstGeom>
+          <a:ln w="25400">
+            <a:solidFill>
+              <a:srgbClr val="0070C0"/>
+            </a:solidFill>
+            <a:tailEnd type="triangle"/>
+          </a:ln>
+        </p:spPr>
+        <p:style>
+          <a:lnRef idx="1">
+            <a:schemeClr val="accent1"/>
+          </a:lnRef>
+          <a:fillRef idx="0">
+            <a:schemeClr val="accent1"/>
+          </a:fillRef>
+          <a:effectRef idx="0">
+            <a:schemeClr val="accent1"/>
+          </a:effectRef>
+          <a:fontRef idx="minor">
+            <a:schemeClr val="tx1"/>
+          </a:fontRef>
+        </p:style>
+      </p:cxnSp>
+      <p:sp>
+        <p:nvSpPr>
+          <p:cNvPr id="82" name="TextBox 81"/>
+          <p:cNvSpPr txBox="1"/>
+          <p:nvPr/>
+        </p:nvSpPr>
+        <p:spPr>
+          <a:xfrm>
+            <a:off x="8142726" y="2511720"/>
+            <a:ext cx="1153298" cy="307777"/>
+          </a:xfrm>
+          <a:prstGeom prst="rect">
+            <a:avLst/>
+          </a:prstGeom>
+          <a:noFill/>
+        </p:spPr>
+        <p:txBody>
+          <a:bodyPr wrap="square" rtlCol="0">
+            <a:spAutoFit/>
+          </a:bodyPr>
+          <a:lstStyle/>
+          <a:p>
+            <a:r>
+              <a:rPr lang="zh-CN" altLang="en-US" sz="1400" dirty="0" smtClean="0"/>
+              <a:t>注册服务</a:t>
+            </a:r>
+            <a:endParaRPr lang="en-US" sz="1400" dirty="0"/>
+          </a:p>
+        </p:txBody>
+      </p:sp>
+      <p:sp>
+        <p:nvSpPr>
+          <p:cNvPr id="83" name="TextBox 82"/>
+          <p:cNvSpPr txBox="1"/>
+          <p:nvPr/>
+        </p:nvSpPr>
+        <p:spPr>
+          <a:xfrm>
+            <a:off x="6395383" y="2643385"/>
+            <a:ext cx="1153298" cy="307777"/>
+          </a:xfrm>
+          <a:prstGeom prst="rect">
+            <a:avLst/>
+          </a:prstGeom>
+          <a:noFill/>
+        </p:spPr>
+        <p:txBody>
+          <a:bodyPr wrap="square" rtlCol="0">
+            <a:spAutoFit/>
+          </a:bodyPr>
+          <a:lstStyle/>
+          <a:p>
+            <a:r>
+              <a:rPr lang="zh-CN" altLang="en-US" sz="1400" dirty="0" smtClean="0"/>
+              <a:t>注册服务</a:t>
+            </a:r>
+            <a:endParaRPr lang="en-US" sz="1400" dirty="0"/>
+          </a:p>
+        </p:txBody>
+      </p:sp>
+      <p:sp>
+        <p:nvSpPr>
+          <p:cNvPr id="84" name="TextBox 83"/>
+          <p:cNvSpPr txBox="1"/>
+          <p:nvPr/>
+        </p:nvSpPr>
+        <p:spPr>
+          <a:xfrm>
+            <a:off x="4232774" y="2051766"/>
+            <a:ext cx="1153298" cy="307777"/>
+          </a:xfrm>
+          <a:prstGeom prst="rect">
+            <a:avLst/>
+          </a:prstGeom>
+          <a:noFill/>
+        </p:spPr>
+        <p:txBody>
+          <a:bodyPr wrap="square" rtlCol="0">
+            <a:spAutoFit/>
+          </a:bodyPr>
+          <a:lstStyle/>
+          <a:p>
+            <a:r>
+              <a:rPr lang="zh-CN" altLang="en-US" sz="1400" dirty="0" smtClean="0"/>
+              <a:t>注册服务</a:t>
+            </a:r>
+            <a:endParaRPr lang="en-US" sz="1400" dirty="0"/>
+          </a:p>
+        </p:txBody>
+      </p:sp>
+      <p:cxnSp>
+        <p:nvCxnSpPr>
+          <p:cNvPr id="124" name="Straight Arrow Connector 123"/>
+          <p:cNvCxnSpPr>
+            <a:stCxn id="5" idx="3"/>
+          </p:cNvCxnSpPr>
+          <p:nvPr/>
+        </p:nvCxnSpPr>
+        <p:spPr>
+          <a:xfrm>
+            <a:off x="4040234" y="3547950"/>
+            <a:ext cx="3498858" cy="1539778"/>
+          </a:xfrm>
+          <a:prstGeom prst="straightConnector1">
+            <a:avLst/>
+          </a:prstGeom>
+          <a:ln w="25400">
+            <a:solidFill>
+              <a:srgbClr val="FF0000"/>
+            </a:solidFill>
+            <a:tailEnd type="triangle"/>
+          </a:ln>
+        </p:spPr>
+        <p:style>
+          <a:lnRef idx="1">
+            <a:schemeClr val="accent1"/>
+          </a:lnRef>
+          <a:fillRef idx="0">
+            <a:schemeClr val="accent1"/>
+          </a:fillRef>
+          <a:effectRef idx="0">
+            <a:schemeClr val="accent1"/>
+          </a:effectRef>
+          <a:fontRef idx="minor">
+            <a:schemeClr val="tx1"/>
+          </a:fontRef>
+        </p:style>
+      </p:cxnSp>
+      <p:sp>
+        <p:nvSpPr>
+          <p:cNvPr id="127" name="Rectangle 126"/>
+          <p:cNvSpPr/>
+          <p:nvPr/>
+        </p:nvSpPr>
+        <p:spPr>
+          <a:xfrm>
+            <a:off x="6831186" y="4107405"/>
+            <a:ext cx="2060887" cy="408611"/>
+          </a:xfrm>
+          <a:prstGeom prst="rect">
+            <a:avLst/>
+          </a:prstGeom>
+          <a:noFill/>
+          <a:ln>
+            <a:noFill/>
+          </a:ln>
+        </p:spPr>
+        <p:style>
+          <a:lnRef idx="2">
+            <a:schemeClr val="accent1">
+              <a:shade val="50000"/>
+            </a:schemeClr>
+          </a:lnRef>
+          <a:fillRef idx="1">
+            <a:schemeClr val="accent1"/>
+          </a:fillRef>
+          <a:effectRef idx="0">
+            <a:schemeClr val="accent1"/>
+          </a:effectRef>
+          <a:fontRef idx="minor">
+            <a:schemeClr val="lt1"/>
+          </a:fontRef>
+        </p:style>
+        <p:txBody>
+          <a:bodyPr rtlCol="0" anchor="ctr"/>
+          <a:lstStyle/>
+          <a:p>
+            <a:pPr algn="ctr"/>
+            <a:r>
+              <a:rPr lang="zh-CN" altLang="en-US" sz="1400" dirty="0" smtClean="0">
+                <a:solidFill>
+                  <a:schemeClr val="tx1"/>
+                </a:solidFill>
+              </a:rPr>
+              <a:t>请求异常使用</a:t>
+            </a:r>
+            <a:r>
+              <a:rPr lang="en-US" altLang="zh-CN" sz="1400" dirty="0" err="1" smtClean="0">
+                <a:solidFill>
+                  <a:schemeClr val="tx1"/>
+                </a:solidFill>
+              </a:rPr>
+              <a:t>Hystrix</a:t>
+            </a:r>
+            <a:r>
+              <a:rPr lang="zh-CN" altLang="en-US" sz="1400" dirty="0" smtClean="0">
+                <a:solidFill>
+                  <a:schemeClr val="tx1"/>
+                </a:solidFill>
+              </a:rPr>
+              <a:t>熔断</a:t>
+            </a:r>
+            <a:endParaRPr lang="en-US" sz="1400" dirty="0">
+              <a:solidFill>
+                <a:schemeClr val="tx1"/>
+              </a:solidFill>
+            </a:endParaRPr>
+          </a:p>
+        </p:txBody>
+      </p:sp>
+      <p:sp>
+        <p:nvSpPr>
+          <p:cNvPr id="128" name="TextBox 127"/>
+          <p:cNvSpPr txBox="1"/>
+          <p:nvPr/>
+        </p:nvSpPr>
+        <p:spPr>
+          <a:xfrm>
+            <a:off x="7342376" y="5421216"/>
+            <a:ext cx="1708317" cy="461665"/>
+          </a:xfrm>
+          <a:prstGeom prst="rect">
+            <a:avLst/>
+          </a:prstGeom>
+          <a:noFill/>
+        </p:spPr>
+        <p:txBody>
+          <a:bodyPr wrap="square" rtlCol="0">
+            <a:spAutoFit/>
+          </a:bodyPr>
+          <a:lstStyle/>
+          <a:p>
+            <a:r>
+              <a:rPr lang="en-US" altLang="zh-CN" sz="1200" dirty="0" smtClean="0"/>
+              <a:t>Feign</a:t>
+            </a:r>
+            <a:r>
+              <a:rPr lang="zh-CN" altLang="en-US" sz="1200" dirty="0" smtClean="0"/>
+              <a:t>提供类似</a:t>
+            </a:r>
+            <a:r>
+              <a:rPr lang="en-US" sz="1200" dirty="0" smtClean="0"/>
+              <a:t>Load Balance</a:t>
+            </a:r>
+            <a:r>
+              <a:rPr lang="zh-CN" altLang="en-US" sz="1200" dirty="0" smtClean="0"/>
+              <a:t>的功能</a:t>
+            </a:r>
+            <a:endParaRPr lang="en-US" sz="1200" dirty="0"/>
+          </a:p>
+        </p:txBody>
+      </p:sp>
+      <p:cxnSp>
+        <p:nvCxnSpPr>
+          <p:cNvPr id="129" name="Straight Arrow Connector 128"/>
+          <p:cNvCxnSpPr>
+            <a:stCxn id="27" idx="3"/>
+            <a:endCxn id="29" idx="2"/>
+          </p:cNvCxnSpPr>
+          <p:nvPr/>
+        </p:nvCxnSpPr>
+        <p:spPr>
+          <a:xfrm flipV="1">
+            <a:off x="7059944" y="1890115"/>
+            <a:ext cx="1011431" cy="1601796"/>
+          </a:xfrm>
+          <a:prstGeom prst="straightConnector1">
+            <a:avLst/>
+          </a:prstGeom>
+          <a:ln w="25400">
+            <a:solidFill>
+              <a:schemeClr val="accent6">
+                <a:lumMod val="75000"/>
+              </a:schemeClr>
+            </a:solidFill>
+            <a:tailEnd type="triangle"/>
+          </a:ln>
+        </p:spPr>
+        <p:style>
+          <a:lnRef idx="1">
+            <a:schemeClr val="accent1"/>
+          </a:lnRef>
+          <a:fillRef idx="0">
+            <a:schemeClr val="accent1"/>
+          </a:fillRef>
+          <a:effectRef idx="0">
+            <a:schemeClr val="accent1"/>
+          </a:effectRef>
+          <a:fontRef idx="minor">
+            <a:schemeClr val="tx1"/>
+          </a:fontRef>
+        </p:style>
+      </p:cxnSp>
+      <p:cxnSp>
+        <p:nvCxnSpPr>
+          <p:cNvPr id="132" name="Straight Arrow Connector 131"/>
+          <p:cNvCxnSpPr>
+            <a:stCxn id="25" idx="0"/>
+            <a:endCxn id="29" idx="4"/>
+          </p:cNvCxnSpPr>
+          <p:nvPr/>
+        </p:nvCxnSpPr>
+        <p:spPr>
+          <a:xfrm flipH="1" flipV="1">
+            <a:off x="8719375" y="1890115"/>
+            <a:ext cx="406971" cy="1207849"/>
+          </a:xfrm>
+          <a:prstGeom prst="straightConnector1">
+            <a:avLst/>
+          </a:prstGeom>
+          <a:ln w="25400">
+            <a:solidFill>
+              <a:schemeClr val="accent6">
+                <a:lumMod val="75000"/>
+              </a:schemeClr>
+            </a:solidFill>
+            <a:tailEnd type="triangle"/>
+          </a:ln>
+        </p:spPr>
+        <p:style>
+          <a:lnRef idx="1">
+            <a:schemeClr val="accent1"/>
+          </a:lnRef>
+          <a:fillRef idx="0">
+            <a:schemeClr val="accent1"/>
+          </a:fillRef>
+          <a:effectRef idx="0">
+            <a:schemeClr val="accent1"/>
+          </a:effectRef>
+          <a:fontRef idx="minor">
+            <a:schemeClr val="tx1"/>
+          </a:fontRef>
+        </p:style>
+      </p:cxnSp>
+      <p:cxnSp>
+        <p:nvCxnSpPr>
+          <p:cNvPr id="136" name="Straight Arrow Connector 135"/>
+          <p:cNvCxnSpPr>
+            <a:stCxn id="29" idx="3"/>
+            <a:endCxn id="25" idx="1"/>
+          </p:cNvCxnSpPr>
+          <p:nvPr/>
+        </p:nvCxnSpPr>
+        <p:spPr>
+          <a:xfrm>
+            <a:off x="8395375" y="2214115"/>
+            <a:ext cx="406971" cy="1207885"/>
+          </a:xfrm>
+          <a:prstGeom prst="straightConnector1">
+            <a:avLst/>
+          </a:prstGeom>
+          <a:ln w="25400">
+            <a:solidFill>
+              <a:schemeClr val="accent6">
+                <a:lumMod val="75000"/>
+              </a:schemeClr>
+            </a:solidFill>
+            <a:tailEnd type="triangle"/>
+          </a:ln>
+        </p:spPr>
+        <p:style>
+          <a:lnRef idx="1">
+            <a:schemeClr val="accent1"/>
+          </a:lnRef>
+          <a:fillRef idx="0">
+            <a:schemeClr val="accent1"/>
+          </a:fillRef>
+          <a:effectRef idx="0">
+            <a:schemeClr val="accent1"/>
+          </a:effectRef>
+          <a:fontRef idx="minor">
+            <a:schemeClr val="tx1"/>
+          </a:fontRef>
+        </p:style>
+      </p:cxnSp>
+      <p:cxnSp>
+        <p:nvCxnSpPr>
+          <p:cNvPr id="139" name="Straight Arrow Connector 138"/>
+          <p:cNvCxnSpPr>
+            <a:stCxn id="29" idx="3"/>
+            <a:endCxn id="27" idx="3"/>
+          </p:cNvCxnSpPr>
+          <p:nvPr/>
+        </p:nvCxnSpPr>
+        <p:spPr>
+          <a:xfrm flipH="1">
+            <a:off x="7059944" y="2214115"/>
+            <a:ext cx="1335431" cy="1277796"/>
+          </a:xfrm>
+          <a:prstGeom prst="straightConnector1">
+            <a:avLst/>
+          </a:prstGeom>
+          <a:ln w="25400">
+            <a:solidFill>
+              <a:schemeClr val="accent6">
+                <a:lumMod val="75000"/>
+              </a:schemeClr>
+            </a:solidFill>
+            <a:tailEnd type="triangle"/>
+          </a:ln>
+        </p:spPr>
+        <p:style>
+          <a:lnRef idx="1">
+            <a:schemeClr val="accent1"/>
+          </a:lnRef>
+          <a:fillRef idx="0">
+            <a:schemeClr val="accent1"/>
+          </a:fillRef>
+          <a:effectRef idx="0">
+            <a:schemeClr val="accent1"/>
+          </a:effectRef>
+          <a:fontRef idx="minor">
+            <a:schemeClr val="tx1"/>
+          </a:fontRef>
+        </p:style>
+      </p:cxnSp>
     </p:spTree>
+    <p:extLst>
+      <p:ext uri="{BB962C8B-B14F-4D97-AF65-F5344CB8AC3E}">
+        <p14:creationId xmlns:p14="http://schemas.microsoft.com/office/powerpoint/2010/main" val="286885730"/>
+      </p:ext>
+    </p:extLst>
   </p:cSld>
   <p:clrMapOvr>
     <a:masterClrMapping/>
@@ -6666,50 +8247,163 @@
           <a:lstStyle/>
           <a:p>
             <a:r>
-              <a:rPr lang="en-US" altLang="ja-JP"/>
-              <a:t>4. </a:t>
-            </a:r>
-            <a:r>
-              <a:rPr lang="zh-CN" altLang="en-US"/>
-              <a:t>商品（</a:t>
-            </a:r>
-            <a:r>
-              <a:rPr lang="en-US" altLang="zh-CN"/>
-              <a:t>ER</a:t>
-            </a:r>
-            <a:r>
-              <a:rPr lang="zh-CN" altLang="en-US"/>
-              <a:t>设计）</a:t>
-            </a:r>
-            <a:endParaRPr lang="zh-CN" altLang="en-US"/>
-          </a:p>
-        </p:txBody>
-      </p:sp>
-      <p:pic>
-        <p:nvPicPr>
-          <p:cNvPr id="4" name="图片 3"/>
-          <p:cNvPicPr>
-            <a:picLocks noChangeAspect="1"/>
-          </p:cNvPicPr>
-          <p:nvPr/>
-        </p:nvPicPr>
-        <p:blipFill>
-          <a:blip r:embed="rId1"/>
-          <a:stretch>
-            <a:fillRect/>
-          </a:stretch>
-        </p:blipFill>
+              <a:rPr lang="en-US" altLang="ja-JP" dirty="0"/>
+              <a:t>2. </a:t>
+            </a:r>
+            <a:r>
+              <a:rPr lang="zh-CN" altLang="en-US" dirty="0"/>
+              <a:t>环境构成</a:t>
+            </a:r>
+            <a:endParaRPr lang="zh-CN" altLang="en-US" dirty="0"/>
+          </a:p>
+        </p:txBody>
+      </p:sp>
+      <p:sp>
+        <p:nvSpPr>
+          <p:cNvPr id="5" name="テキスト プレースホルダー 4"/>
+          <p:cNvSpPr>
+            <a:spLocks noGrp="1"/>
+          </p:cNvSpPr>
+          <p:nvPr>
+            <p:ph type="body" sz="quarter" idx="10"/>
+          </p:nvPr>
+        </p:nvSpPr>
         <p:spPr>
           <a:xfrm>
-            <a:off x="560705" y="1100455"/>
-            <a:ext cx="10454640" cy="4046855"/>
-          </a:xfrm>
-          <a:prstGeom prst="rect">
-            <a:avLst/>
-          </a:prstGeom>
-        </p:spPr>
-      </p:pic>
+            <a:off x="662305" y="1005205"/>
+            <a:ext cx="10869295" cy="5227955"/>
+          </a:xfrm>
+        </p:spPr>
+        <p:txBody>
+          <a:bodyPr/>
+          <a:lstStyle/>
+          <a:p>
+            <a:r>
+              <a:rPr lang="en-US" altLang="zh-CN" dirty="0"/>
+              <a:t>Eureka</a:t>
+            </a:r>
+            <a:r>
+              <a:rPr lang="zh-CN" altLang="en-US" dirty="0"/>
+              <a:t>：实际上在整个过程中维护者每个服务的生命周期。每一个服务都要被注册到</a:t>
+            </a:r>
+            <a:r>
+              <a:rPr lang="en-US" altLang="zh-CN" dirty="0"/>
+              <a:t>Eureka</a:t>
+            </a:r>
+            <a:r>
+              <a:rPr lang="zh-CN" altLang="en-US" dirty="0"/>
+              <a:t>服务器上，这里被注册到</a:t>
+            </a:r>
+            <a:r>
+              <a:rPr lang="en-US" altLang="zh-CN" dirty="0"/>
+              <a:t>Eureka</a:t>
+            </a:r>
+            <a:r>
+              <a:rPr lang="zh-CN" altLang="en-US" dirty="0"/>
+              <a:t>的服务又称为</a:t>
+            </a:r>
+            <a:r>
+              <a:rPr lang="en-US" altLang="zh-CN" dirty="0"/>
+              <a:t>Client</a:t>
+            </a:r>
+            <a:r>
+              <a:rPr lang="zh-CN" altLang="en-US" dirty="0"/>
+              <a:t>。</a:t>
+            </a:r>
+            <a:r>
+              <a:rPr lang="en-US" altLang="zh-CN" dirty="0"/>
+              <a:t>Eureka</a:t>
+            </a:r>
+            <a:r>
+              <a:rPr lang="zh-CN" altLang="en-US" dirty="0"/>
+              <a:t>通过心跳来确定服务是否正常。</a:t>
+            </a:r>
+            <a:r>
+              <a:rPr lang="en-US" altLang="zh-CN" dirty="0"/>
+              <a:t>Eureka</a:t>
+            </a:r>
+            <a:r>
+              <a:rPr lang="zh-CN" altLang="en-US" dirty="0"/>
+              <a:t>只做请求转发。同时</a:t>
+            </a:r>
+            <a:r>
+              <a:rPr lang="en-US" altLang="zh-CN" dirty="0"/>
+              <a:t>Eureka</a:t>
+            </a:r>
+            <a:r>
+              <a:rPr lang="zh-CN" altLang="en-US" dirty="0"/>
+              <a:t>是支持集</a:t>
+            </a:r>
+            <a:r>
+              <a:rPr lang="zh-CN" altLang="en-US" dirty="0" smtClean="0"/>
+              <a:t>群</a:t>
+            </a:r>
+            <a:r>
+              <a:rPr lang="zh-CN" altLang="en-US" dirty="0"/>
+              <a:t>。</a:t>
+            </a:r>
+            <a:br>
+              <a:rPr lang="zh-CN" altLang="en-US" dirty="0"/>
+            </a:br>
+            <a:r>
+              <a:rPr lang="en-US" altLang="zh-CN" dirty="0" err="1"/>
+              <a:t>Zuul</a:t>
+            </a:r>
+            <a:r>
+              <a:rPr lang="zh-CN" altLang="en-US" dirty="0"/>
+              <a:t>：类似于网关，反向代理。为外部请求提供统一入口。 </a:t>
+            </a:r>
+            <a:r>
+              <a:rPr lang="zh-CN" altLang="en-US" dirty="0"/>
+              <a:t/>
+            </a:r>
+            <a:br>
+              <a:rPr lang="zh-CN" altLang="en-US" dirty="0"/>
+            </a:br>
+            <a:r>
+              <a:rPr lang="en-US" altLang="zh-CN" dirty="0"/>
+              <a:t>Ribbon/Feign</a:t>
+            </a:r>
+            <a:r>
+              <a:rPr lang="zh-CN" altLang="en-US" dirty="0"/>
+              <a:t>：可以理解为调用服务的客户端。 </a:t>
+            </a:r>
+            <a:r>
+              <a:rPr lang="zh-CN" altLang="en-US" dirty="0"/>
+              <a:t/>
+            </a:r>
+            <a:br>
+              <a:rPr lang="zh-CN" altLang="en-US" dirty="0"/>
+            </a:br>
+            <a:r>
+              <a:rPr lang="en-US" altLang="zh-CN" dirty="0" err="1"/>
+              <a:t>Hystrix</a:t>
+            </a:r>
+            <a:r>
+              <a:rPr lang="zh-CN" altLang="en-US" dirty="0"/>
+              <a:t>：断路器，服务调用通常是深层的，一个底层服务通常为多个上层服务提供服务，那么如果底层服务失败则会造成大面积失败，</a:t>
+            </a:r>
+            <a:r>
+              <a:rPr lang="en-US" altLang="zh-CN" dirty="0" err="1"/>
+              <a:t>Hystrix</a:t>
+            </a:r>
+            <a:r>
+              <a:rPr lang="zh-CN" altLang="en-US" dirty="0"/>
+              <a:t>就是就调用失败后触发定义好的处理方法，从而更友好的解决出错。也是微服务的容错机制</a:t>
+            </a:r>
+            <a:endParaRPr kumimoji="1" lang="zh-CN" altLang="en-US" dirty="0"/>
+          </a:p>
+          <a:p>
+            <a:endParaRPr kumimoji="1" lang="zh-CN" altLang="en-US" dirty="0"/>
+          </a:p>
+        </p:txBody>
+      </p:sp>
     </p:spTree>
+    <p:extLst>
+      <p:ext uri="{BB962C8B-B14F-4D97-AF65-F5344CB8AC3E}">
+        <p14:creationId xmlns:p14="http://schemas.microsoft.com/office/powerpoint/2010/main" val="1070531491"/>
+      </p:ext>
+    </p:extLst>
   </p:cSld>
   <p:clrMapOvr>
     <a:masterClrMapping/>
@@ -6758,13 +8452,236 @@
           <a:p>
             <a:r>
               <a:rPr lang="en-US" altLang="ja-JP"/>
+              <a:t>3. </a:t>
+            </a:r>
+            <a:r>
+              <a:rPr lang="zh-CN" altLang="en-US"/>
+              <a:t>要件</a:t>
+            </a:r>
+          </a:p>
+        </p:txBody>
+      </p:sp>
+      <p:sp>
+        <p:nvSpPr>
+          <p:cNvPr id="5" name="テキスト プレースホルダー 4"/>
+          <p:cNvSpPr>
+            <a:spLocks noGrp="1"/>
+          </p:cNvSpPr>
+          <p:nvPr>
+            <p:ph type="body" sz="quarter" idx="10"/>
+          </p:nvPr>
+        </p:nvSpPr>
+        <p:spPr>
+          <a:xfrm>
+            <a:off x="662305" y="1005205"/>
+            <a:ext cx="10869295" cy="5227955"/>
+          </a:xfrm>
+        </p:spPr>
+        <p:txBody>
+          <a:bodyPr/>
+          <a:lstStyle/>
+          <a:p>
+            <a:r>
+              <a:rPr kumimoji="1" lang="zh-CN" altLang="ja-JP"/>
+              <a:t>会员管理：</a:t>
+            </a:r>
+          </a:p>
+          <a:p>
+            <a:r>
+              <a:rPr kumimoji="1" lang="zh-CN" altLang="ja-JP"/>
+              <a:t>地址管理，订单管理，支付管理</a:t>
+            </a:r>
+          </a:p>
+          <a:p>
+            <a:r>
+              <a:rPr kumimoji="1" lang="zh-CN" altLang="ja-JP"/>
+              <a:t>会员信息，会员注册，会员登录</a:t>
+            </a:r>
+          </a:p>
+          <a:p>
+            <a:r>
+              <a:rPr kumimoji="1" lang="zh-CN" altLang="ja-JP"/>
+              <a:t>购物车：购入一览</a:t>
+            </a:r>
+          </a:p>
+          <a:p>
+            <a:r>
+              <a:rPr kumimoji="1" lang="en-US" altLang="zh-CN"/>
+              <a:t>shop</a:t>
+            </a:r>
+            <a:r>
+              <a:rPr kumimoji="1" lang="zh-CN" altLang="en-US"/>
+              <a:t>：产品一览，产品详细</a:t>
+            </a:r>
+          </a:p>
+          <a:p>
+            <a:endParaRPr kumimoji="1" lang="zh-CN" altLang="en-US"/>
+          </a:p>
+          <a:p>
+            <a:r>
+              <a:rPr kumimoji="1" lang="zh-CN" altLang="en-US"/>
+              <a:t>管理员：产品登录，库存管理</a:t>
+            </a:r>
+          </a:p>
+          <a:p>
+            <a:r>
+              <a:rPr kumimoji="1" lang="zh-CN" altLang="en-US"/>
+              <a:t>配送管理，商品查询</a:t>
+            </a:r>
+          </a:p>
+          <a:p>
+            <a:endParaRPr kumimoji="1" lang="zh-CN" altLang="en-US"/>
+          </a:p>
+          <a:p>
+            <a:endParaRPr kumimoji="1" lang="zh-CN" altLang="en-US"/>
+          </a:p>
+        </p:txBody>
+      </p:sp>
+    </p:spTree>
+  </p:cSld>
+  <p:clrMapOvr>
+    <a:masterClrMapping/>
+  </p:clrMapOvr>
+  <p:timing>
+    <p:tnLst>
+      <p:par>
+        <p:cTn id="1" dur="indefinite" restart="never" nodeType="tmRoot"/>
+      </p:par>
+    </p:tnLst>
+  </p:timing>
+</p:sld>
+</file>
+
+<file path=ppt/slides/slide8.xml><?xml version="1.0" encoding="utf-8"?>
+<p:sld xmlns:a="http://schemas.openxmlformats.org/drawingml/2006/main" xmlns:r="http://schemas.openxmlformats.org/officeDocument/2006/relationships" xmlns:p="http://schemas.openxmlformats.org/presentationml/2006/main">
+  <p:cSld>
+    <p:spTree>
+      <p:nvGrpSpPr>
+        <p:cNvPr id="1" name=""/>
+        <p:cNvGrpSpPr/>
+        <p:nvPr/>
+      </p:nvGrpSpPr>
+      <p:grpSpPr>
+        <a:xfrm>
+          <a:off x="0" y="0"/>
+          <a:ext cx="0" cy="0"/>
+          <a:chOff x="0" y="0"/>
+          <a:chExt cx="0" cy="0"/>
+        </a:xfrm>
+      </p:grpSpPr>
+      <p:sp>
+        <p:nvSpPr>
+          <p:cNvPr id="3" name="タイトル 2"/>
+          <p:cNvSpPr>
+            <a:spLocks noGrp="1"/>
+          </p:cNvSpPr>
+          <p:nvPr>
+            <p:ph type="title"/>
+          </p:nvPr>
+        </p:nvSpPr>
+        <p:spPr/>
+        <p:txBody>
+          <a:bodyPr/>
+          <a:lstStyle/>
+          <a:p>
+            <a:r>
+              <a:rPr lang="en-US" altLang="ja-JP"/>
+              <a:t>4. </a:t>
+            </a:r>
+            <a:r>
+              <a:rPr lang="zh-CN" altLang="en-US"/>
+              <a:t>商品（</a:t>
+            </a:r>
+            <a:r>
+              <a:rPr lang="en-US" altLang="zh-CN"/>
+              <a:t>ER</a:t>
+            </a:r>
+            <a:r>
+              <a:rPr lang="zh-CN" altLang="en-US"/>
+              <a:t>设计）</a:t>
+            </a:r>
+          </a:p>
+        </p:txBody>
+      </p:sp>
+      <p:pic>
+        <p:nvPicPr>
+          <p:cNvPr id="4" name="图片 3"/>
+          <p:cNvPicPr>
+            <a:picLocks noChangeAspect="1"/>
+          </p:cNvPicPr>
+          <p:nvPr/>
+        </p:nvPicPr>
+        <p:blipFill>
+          <a:blip r:embed="rId2"/>
+          <a:stretch>
+            <a:fillRect/>
+          </a:stretch>
+        </p:blipFill>
+        <p:spPr>
+          <a:xfrm>
+            <a:off x="560705" y="1100455"/>
+            <a:ext cx="10454640" cy="4046855"/>
+          </a:xfrm>
+          <a:prstGeom prst="rect">
+            <a:avLst/>
+          </a:prstGeom>
+        </p:spPr>
+      </p:pic>
+    </p:spTree>
+  </p:cSld>
+  <p:clrMapOvr>
+    <a:masterClrMapping/>
+  </p:clrMapOvr>
+  <p:timing>
+    <p:tnLst>
+      <p:par>
+        <p:cTn id="1" dur="indefinite" restart="never" nodeType="tmRoot"/>
+      </p:par>
+    </p:tnLst>
+  </p:timing>
+</p:sld>
+</file>
+
+<file path=ppt/slides/slide9.xml><?xml version="1.0" encoding="utf-8"?>
+<p:sld xmlns:a="http://schemas.openxmlformats.org/drawingml/2006/main" xmlns:r="http://schemas.openxmlformats.org/officeDocument/2006/relationships" xmlns:p="http://schemas.openxmlformats.org/presentationml/2006/main">
+  <p:cSld>
+    <p:spTree>
+      <p:nvGrpSpPr>
+        <p:cNvPr id="1" name=""/>
+        <p:cNvGrpSpPr/>
+        <p:nvPr/>
+      </p:nvGrpSpPr>
+      <p:grpSpPr>
+        <a:xfrm>
+          <a:off x="0" y="0"/>
+          <a:ext cx="0" cy="0"/>
+          <a:chOff x="0" y="0"/>
+          <a:chExt cx="0" cy="0"/>
+        </a:xfrm>
+      </p:grpSpPr>
+      <p:sp>
+        <p:nvSpPr>
+          <p:cNvPr id="3" name="タイトル 2"/>
+          <p:cNvSpPr>
+            <a:spLocks noGrp="1"/>
+          </p:cNvSpPr>
+          <p:nvPr>
+            <p:ph type="title"/>
+          </p:nvPr>
+        </p:nvSpPr>
+        <p:spPr/>
+        <p:txBody>
+          <a:bodyPr/>
+          <a:lstStyle/>
+          <a:p>
+            <a:r>
+              <a:rPr lang="en-US" altLang="ja-JP"/>
               <a:t>4. </a:t>
             </a:r>
             <a:r>
               <a:rPr lang="zh-CN" altLang="en-US"/>
               <a:t>商品（表设计）</a:t>
             </a:r>
-            <a:endParaRPr lang="zh-CN" altLang="en-US"/>
           </a:p>
         </p:txBody>
       </p:sp>
@@ -6786,47 +8703,42 @@
         </p:spPr>
         <p:txBody>
           <a:bodyPr/>
+          <a:lstStyle/>
           <a:p>
             <a:r>
               <a:rPr kumimoji="1" lang="zh-CN" altLang="ja-JP"/>
               <a:t>商品管理：Goods</a:t>
             </a:r>
-            <a:endParaRPr kumimoji="1" lang="zh-CN" altLang="ja-JP"/>
           </a:p>
           <a:p>
             <a:r>
               <a:rPr kumimoji="1" lang="zh-CN" altLang="ja-JP"/>
               <a:t>good_id 商品ID</a:t>
             </a:r>
-            <a:endParaRPr kumimoji="1" lang="zh-CN" altLang="ja-JP"/>
           </a:p>
           <a:p>
             <a:r>
               <a:rPr kumimoji="1" lang="zh-CN" altLang="ja-JP"/>
               <a:t>good_name 商品名称</a:t>
             </a:r>
-            <a:endParaRPr kumimoji="1" lang="zh-CN" altLang="ja-JP"/>
           </a:p>
           <a:p>
             <a:r>
               <a:rPr kumimoji="1" lang="zh-CN" altLang="ja-JP"/>
               <a:t>good_description 商品说明</a:t>
             </a:r>
-            <a:endParaRPr kumimoji="1" lang="zh-CN" altLang="ja-JP"/>
           </a:p>
           <a:p>
             <a:r>
               <a:rPr kumimoji="1" lang="zh-CN" altLang="ja-JP"/>
               <a:t>good_discount 商品折扣</a:t>
             </a:r>
-            <a:endParaRPr kumimoji="1" lang="zh-CN" altLang="ja-JP"/>
           </a:p>
           <a:p>
             <a:r>
               <a:rPr kumimoji="1" lang="zh-CN" altLang="ja-JP"/>
               <a:t>good_original_price 商品价格</a:t>
             </a:r>
-            <a:endParaRPr kumimoji="1" lang="zh-CN" altLang="ja-JP"/>
           </a:p>
           <a:p>
             <a:r>
@@ -6853,28 +8765,24 @@
               <a:rPr kumimoji="1" lang="zh-CN" altLang="ja-JP"/>
               <a:t>商品图片：good_imgs </a:t>
             </a:r>
-            <a:endParaRPr kumimoji="1" lang="zh-CN" altLang="ja-JP"/>
           </a:p>
           <a:p>
             <a:r>
               <a:rPr kumimoji="1" lang="zh-CN" altLang="ja-JP"/>
               <a:t>good_img_id</a:t>
             </a:r>
-            <a:endParaRPr kumimoji="1" lang="zh-CN" altLang="ja-JP"/>
           </a:p>
           <a:p>
             <a:r>
               <a:rPr kumimoji="1" lang="zh-CN" altLang="ja-JP"/>
               <a:t>good_img_url</a:t>
             </a:r>
-            <a:endParaRPr kumimoji="1" lang="zh-CN" altLang="ja-JP"/>
           </a:p>
           <a:p>
             <a:r>
               <a:rPr kumimoji="1" lang="zh-CN" altLang="ja-JP"/>
               <a:t>good_id 商品ID</a:t>
             </a:r>
-            <a:endParaRPr kumimoji="1" lang="zh-CN" altLang="ja-JP"/>
           </a:p>
         </p:txBody>
       </p:sp>
@@ -7068,21 +8976,18 @@
               <a:rPr kumimoji="1" lang="zh-CN" altLang="ja-JP"/>
               <a:t>商品种类</a:t>
             </a:r>
-            <a:endParaRPr kumimoji="1" lang="zh-CN" altLang="ja-JP"/>
           </a:p>
           <a:p>
             <a:r>
               <a:rPr kumimoji="1" lang="zh-CN" altLang="ja-JP"/>
               <a:t>category_id</a:t>
             </a:r>
-            <a:endParaRPr kumimoji="1" lang="zh-CN" altLang="ja-JP"/>
           </a:p>
           <a:p>
             <a:r>
               <a:rPr kumimoji="1" lang="zh-CN" altLang="ja-JP"/>
               <a:t>category_name</a:t>
             </a:r>
-            <a:endParaRPr kumimoji="1" lang="zh-CN" altLang="ja-JP"/>
           </a:p>
           <a:p>
             <a:endParaRPr kumimoji="1" lang="zh-CN" altLang="ja-JP"/>
@@ -7092,358 +8997,30 @@
               <a:rPr kumimoji="1" lang="zh-CN" altLang="ja-JP"/>
               <a:t>商品库存 store</a:t>
             </a:r>
-            <a:endParaRPr kumimoji="1" lang="zh-CN" altLang="ja-JP"/>
           </a:p>
           <a:p>
             <a:r>
               <a:rPr kumimoji="1" lang="zh-CN" altLang="ja-JP"/>
               <a:t>stock_id 库存id</a:t>
             </a:r>
-            <a:endParaRPr kumimoji="1" lang="zh-CN" altLang="ja-JP"/>
           </a:p>
           <a:p>
             <a:r>
               <a:rPr kumimoji="1" lang="zh-CN" altLang="ja-JP"/>
               <a:t>stock_name 仓库名</a:t>
             </a:r>
-            <a:endParaRPr kumimoji="1" lang="zh-CN" altLang="ja-JP"/>
           </a:p>
           <a:p>
             <a:r>
               <a:rPr kumimoji="1" lang="zh-CN" altLang="ja-JP"/>
               <a:t>stock_quantity 库存数量</a:t>
             </a:r>
-            <a:endParaRPr kumimoji="1" lang="zh-CN" altLang="ja-JP"/>
           </a:p>
           <a:p>
             <a:r>
               <a:rPr kumimoji="1" lang="zh-CN" altLang="ja-JP"/>
               <a:t>good_id 商品ID</a:t>
             </a:r>
-            <a:endParaRPr kumimoji="1" lang="zh-CN" altLang="ja-JP"/>
-          </a:p>
-        </p:txBody>
-      </p:sp>
-    </p:spTree>
-  </p:cSld>
-  <p:clrMapOvr>
-    <a:masterClrMapping/>
-  </p:clrMapOvr>
-  <p:timing>
-    <p:tnLst>
-      <p:par>
-        <p:cTn id="1" dur="indefinite" restart="never" nodeType="tmRoot"/>
-      </p:par>
-    </p:tnLst>
-  </p:timing>
-</p:sld>
-</file>
-
-<file path=ppt/slides/slide8.xml><?xml version="1.0" encoding="utf-8"?>
-<p:sld xmlns:a="http://schemas.openxmlformats.org/drawingml/2006/main" xmlns:r="http://schemas.openxmlformats.org/officeDocument/2006/relationships" xmlns:p="http://schemas.openxmlformats.org/presentationml/2006/main">
-  <p:cSld>
-    <p:spTree>
-      <p:nvGrpSpPr>
-        <p:cNvPr id="1" name=""/>
-        <p:cNvGrpSpPr/>
-        <p:nvPr/>
-      </p:nvGrpSpPr>
-      <p:grpSpPr>
-        <a:xfrm>
-          <a:off x="0" y="0"/>
-          <a:ext cx="0" cy="0"/>
-          <a:chOff x="0" y="0"/>
-          <a:chExt cx="0" cy="0"/>
-        </a:xfrm>
-      </p:grpSpPr>
-      <p:sp>
-        <p:nvSpPr>
-          <p:cNvPr id="3" name="タイトル 2"/>
-          <p:cNvSpPr>
-            <a:spLocks noGrp="1"/>
-          </p:cNvSpPr>
-          <p:nvPr>
-            <p:ph type="title"/>
-          </p:nvPr>
-        </p:nvSpPr>
-        <p:spPr/>
-        <p:txBody>
-          <a:bodyPr/>
-          <a:lstStyle/>
-          <a:p>
-            <a:r>
-              <a:rPr lang="en-US" altLang="ja-JP"/>
-              <a:t>4,</a:t>
-            </a:r>
-            <a:r>
-              <a:rPr lang="zh-CN" altLang="en-US"/>
-              <a:t>环境设置（</a:t>
-            </a:r>
-            <a:r>
-              <a:rPr lang="en-US" altLang="zh-CN"/>
-              <a:t>mysql</a:t>
-            </a:r>
-            <a:r>
-              <a:rPr lang="zh-CN" altLang="en-US"/>
-              <a:t>）阿里云</a:t>
-            </a:r>
-            <a:r>
-              <a:rPr lang="en-US" altLang="zh-CN"/>
-              <a:t>RDS</a:t>
-            </a:r>
-            <a:endParaRPr lang="en-US" altLang="zh-CN"/>
-          </a:p>
-        </p:txBody>
-      </p:sp>
-      <p:sp>
-        <p:nvSpPr>
-          <p:cNvPr id="5" name="テキスト プレースホルダー 4"/>
-          <p:cNvSpPr>
-            <a:spLocks noGrp="1"/>
-          </p:cNvSpPr>
-          <p:nvPr>
-            <p:ph type="body" sz="quarter" idx="10"/>
-          </p:nvPr>
-        </p:nvSpPr>
-        <p:spPr>
-          <a:xfrm>
-            <a:off x="662305" y="1005205"/>
-            <a:ext cx="10869295" cy="5227955"/>
-          </a:xfrm>
-        </p:spPr>
-        <p:txBody>
-          <a:bodyPr/>
-          <a:p>
-            <a:r>
-              <a:rPr kumimoji="1" lang="en-US" altLang="zh-CN"/>
-              <a:t>hostname</a:t>
-            </a:r>
-            <a:r>
-              <a:rPr kumimoji="1" lang="zh-CN" altLang="en-US"/>
-              <a:t>：rm-uf6t00e25nxn66cnao.mysql.rds.aliyuncs.com</a:t>
-            </a:r>
-            <a:endParaRPr kumimoji="1" lang="zh-CN" altLang="en-US"/>
-          </a:p>
-          <a:p>
-            <a:r>
-              <a:rPr kumimoji="1" lang="en-US" altLang="zh-CN"/>
-              <a:t>port</a:t>
-            </a:r>
-            <a:r>
-              <a:rPr kumimoji="1" lang="zh-CN" altLang="en-US"/>
-              <a:t>：3306</a:t>
-            </a:r>
-            <a:endParaRPr kumimoji="1" lang="zh-CN" altLang="en-US"/>
-          </a:p>
-          <a:p>
-            <a:r>
-              <a:rPr kumimoji="1" lang="en-US" altLang="zh-CN"/>
-              <a:t>user</a:t>
-            </a:r>
-            <a:r>
-              <a:rPr kumimoji="1" lang="zh-CN" altLang="en-US"/>
-              <a:t>：</a:t>
-            </a:r>
-            <a:r>
-              <a:rPr kumimoji="1" lang="en-US" altLang="zh-CN"/>
-              <a:t>root</a:t>
-            </a:r>
-            <a:endParaRPr kumimoji="1" lang="en-US" altLang="zh-CN"/>
-          </a:p>
-          <a:p>
-            <a:r>
-              <a:rPr kumimoji="1" lang="en-US" altLang="zh-CN"/>
-              <a:t>pwd</a:t>
-            </a:r>
-            <a:r>
-              <a:rPr kumimoji="1" lang="zh-CN" altLang="en-US"/>
-              <a:t>：</a:t>
-            </a:r>
-            <a:r>
-              <a:rPr kumimoji="1" lang="en-US" altLang="zh-CN"/>
-              <a:t>Easy2get</a:t>
-            </a:r>
-            <a:endParaRPr kumimoji="1" lang="en-US" altLang="zh-CN"/>
-          </a:p>
-          <a:p>
-            <a:endParaRPr kumimoji="1" lang="en-US" altLang="zh-CN"/>
-          </a:p>
-        </p:txBody>
-      </p:sp>
-    </p:spTree>
-  </p:cSld>
-  <p:clrMapOvr>
-    <a:masterClrMapping/>
-  </p:clrMapOvr>
-  <p:timing>
-    <p:tnLst>
-      <p:par>
-        <p:cTn id="1" dur="indefinite" restart="never" nodeType="tmRoot"/>
-      </p:par>
-    </p:tnLst>
-  </p:timing>
-</p:sld>
-</file>
-
-<file path=ppt/slides/slide9.xml><?xml version="1.0" encoding="utf-8"?>
-<p:sld xmlns:a="http://schemas.openxmlformats.org/drawingml/2006/main" xmlns:r="http://schemas.openxmlformats.org/officeDocument/2006/relationships" xmlns:p="http://schemas.openxmlformats.org/presentationml/2006/main">
-  <p:cSld>
-    <p:spTree>
-      <p:nvGrpSpPr>
-        <p:cNvPr id="1" name=""/>
-        <p:cNvGrpSpPr/>
-        <p:nvPr/>
-      </p:nvGrpSpPr>
-      <p:grpSpPr>
-        <a:xfrm>
-          <a:off x="0" y="0"/>
-          <a:ext cx="0" cy="0"/>
-          <a:chOff x="0" y="0"/>
-          <a:chExt cx="0" cy="0"/>
-        </a:xfrm>
-      </p:grpSpPr>
-      <p:sp>
-        <p:nvSpPr>
-          <p:cNvPr id="3" name="タイトル 2"/>
-          <p:cNvSpPr>
-            <a:spLocks noGrp="1"/>
-          </p:cNvSpPr>
-          <p:nvPr>
-            <p:ph type="title"/>
-          </p:nvPr>
-        </p:nvSpPr>
-        <p:spPr/>
-        <p:txBody>
-          <a:bodyPr/>
-          <a:lstStyle/>
-          <a:p>
-            <a:r>
-              <a:rPr lang="en-US" altLang="ja-JP"/>
-              <a:t>5,</a:t>
-            </a:r>
-            <a:r>
-              <a:rPr lang="zh-CN" altLang="en-US"/>
-              <a:t>服务器环境（</a:t>
-            </a:r>
-            <a:r>
-              <a:rPr lang="en-US" altLang="zh-CN"/>
-              <a:t>linux</a:t>
-            </a:r>
-            <a:r>
-              <a:rPr lang="zh-CN" altLang="en-US"/>
-              <a:t>）阿里云</a:t>
-            </a:r>
-            <a:r>
-              <a:rPr lang="en-US" altLang="zh-CN"/>
-              <a:t>ECS</a:t>
-            </a:r>
-            <a:endParaRPr lang="en-US" altLang="zh-CN"/>
-          </a:p>
-        </p:txBody>
-      </p:sp>
-      <p:sp>
-        <p:nvSpPr>
-          <p:cNvPr id="5" name="テキスト プレースホルダー 4"/>
-          <p:cNvSpPr>
-            <a:spLocks noGrp="1"/>
-          </p:cNvSpPr>
-          <p:nvPr>
-            <p:ph type="body" sz="quarter" idx="10"/>
-          </p:nvPr>
-        </p:nvSpPr>
-        <p:spPr>
-          <a:xfrm>
-            <a:off x="662305" y="1005205"/>
-            <a:ext cx="10869295" cy="5227955"/>
-          </a:xfrm>
-        </p:spPr>
-        <p:txBody>
-          <a:bodyPr/>
-          <a:p>
-            <a:r>
-              <a:rPr kumimoji="1" lang="en-US"/>
-              <a:t>ip</a:t>
-            </a:r>
-            <a:r>
-              <a:rPr kumimoji="1" lang="zh-CN" altLang="en-US"/>
-              <a:t>：</a:t>
-            </a:r>
-            <a:r>
-              <a:rPr kumimoji="1"/>
-              <a:t>47.93.22.152</a:t>
-            </a:r>
-            <a:endParaRPr kumimoji="1"/>
-          </a:p>
-          <a:p>
-            <a:r>
-              <a:rPr kumimoji="1" lang="en-US" altLang="zh-CN"/>
-              <a:t>port</a:t>
-            </a:r>
-            <a:r>
-              <a:rPr kumimoji="1" lang="zh-CN" altLang="en-US"/>
-              <a:t>：</a:t>
-            </a:r>
-            <a:r>
-              <a:rPr kumimoji="1">
-                <a:sym typeface="+mn-ea"/>
-              </a:rPr>
-              <a:t>22</a:t>
-            </a:r>
-            <a:endParaRPr kumimoji="1">
-              <a:sym typeface="+mn-ea"/>
-            </a:endParaRPr>
-          </a:p>
-          <a:p>
-            <a:r>
-              <a:rPr kumimoji="1" lang="en-US" altLang="zh-CN"/>
-              <a:t>user</a:t>
-            </a:r>
-            <a:r>
-              <a:rPr kumimoji="1" lang="zh-CN" altLang="en-US"/>
-              <a:t>：</a:t>
-            </a:r>
-            <a:r>
-              <a:rPr kumimoji="1" lang="en-US" altLang="zh-CN"/>
-              <a:t>root</a:t>
-            </a:r>
-            <a:endParaRPr kumimoji="1" lang="en-US" altLang="zh-CN"/>
-          </a:p>
-          <a:p>
-            <a:r>
-              <a:rPr kumimoji="1" lang="en-US" altLang="zh-CN"/>
-              <a:t>pwd</a:t>
-            </a:r>
-            <a:r>
-              <a:rPr kumimoji="1" lang="zh-CN" altLang="en-US"/>
-              <a:t>：</a:t>
-            </a:r>
-            <a:r>
-              <a:rPr kumimoji="1" lang="en-US" altLang="zh-CN"/>
-              <a:t>Easy2get</a:t>
-            </a:r>
-            <a:endParaRPr kumimoji="1" lang="en-US" altLang="zh-CN"/>
-          </a:p>
-          <a:p>
-            <a:endParaRPr kumimoji="1" lang="en-US" altLang="zh-CN"/>
-          </a:p>
-          <a:p>
-            <a:r>
-              <a:rPr kumimoji="1" lang="zh-CN" altLang="en-US"/>
-              <a:t>推荐</a:t>
-            </a:r>
-            <a:r>
-              <a:rPr kumimoji="1" lang="en-US" altLang="zh-CN"/>
-              <a:t>ssh</a:t>
-            </a:r>
-            <a:r>
-              <a:rPr kumimoji="1" lang="zh-CN" altLang="en-US"/>
-              <a:t>链接工具：</a:t>
-            </a:r>
-            <a:r>
-              <a:rPr kumimoji="1" lang="en-US" altLang="zh-CN"/>
-              <a:t>xshell5</a:t>
-            </a:r>
-            <a:endParaRPr kumimoji="1" lang="en-US" altLang="zh-CN"/>
           </a:p>
         </p:txBody>
       </p:sp>
